--- a/Documents/Papers/eScience2013/eScience2013.pptx
+++ b/Documents/Papers/eScience2013/eScience2013.pptx
@@ -5,19 +5,19 @@
     <p:sldMasterId id="2147483648" r:id="rId1"/>
   </p:sldMasterIdLst>
   <p:notesMasterIdLst>
-    <p:notesMasterId r:id="rId23"/>
+    <p:notesMasterId r:id="rId25"/>
   </p:notesMasterIdLst>
   <p:sldIdLst>
     <p:sldId id="256" r:id="rId2"/>
     <p:sldId id="257" r:id="rId3"/>
-    <p:sldId id="263" r:id="rId4"/>
-    <p:sldId id="275" r:id="rId5"/>
+    <p:sldId id="275" r:id="rId4"/>
+    <p:sldId id="263" r:id="rId5"/>
     <p:sldId id="258" r:id="rId6"/>
     <p:sldId id="264" r:id="rId7"/>
     <p:sldId id="273" r:id="rId8"/>
     <p:sldId id="259" r:id="rId9"/>
-    <p:sldId id="267" r:id="rId10"/>
-    <p:sldId id="268" r:id="rId11"/>
+    <p:sldId id="283" r:id="rId10"/>
+    <p:sldId id="282" r:id="rId11"/>
     <p:sldId id="272" r:id="rId12"/>
     <p:sldId id="270" r:id="rId13"/>
     <p:sldId id="271" r:id="rId14"/>
@@ -29,6 +29,8 @@
     <p:sldId id="279" r:id="rId20"/>
     <p:sldId id="280" r:id="rId21"/>
     <p:sldId id="281" r:id="rId22"/>
+    <p:sldId id="284" r:id="rId23"/>
+    <p:sldId id="285" r:id="rId24"/>
   </p:sldIdLst>
   <p:sldSz cx="9144000" cy="6858000" type="screen4x3"/>
   <p:notesSz cx="6858000" cy="9144000"/>
@@ -213,7 +215,7 @@
             <a:fld id="{FCB9F7DF-78E5-416E-9CFC-6444109AD54B}" type="datetimeFigureOut">
               <a:rPr lang="pt-BR" smtClean="0"/>
               <a:pPr/>
-              <a:t>14/06/2013</a:t>
+              <a:t>17/06/2013</a:t>
             </a:fld>
             <a:endParaRPr lang="pt-BR"/>
           </a:p>
@@ -526,12 +528,88 @@
           <a:lstStyle/>
           <a:p>
             <a:r>
+              <a:rPr lang="pt-BR" dirty="0" smtClean="0"/>
+              <a:t>Produção em grande escala de objetos digitais científicos pois envolve muitos</a:t>
+            </a:r>
+            <a:r>
+              <a:rPr lang="pt-BR" baseline="0" dirty="0" smtClean="0"/>
+              <a:t> </a:t>
+            </a:r>
+            <a:r>
+              <a:rPr lang="pt-BR" dirty="0" smtClean="0"/>
+              <a:t>processos</a:t>
+            </a:r>
+          </a:p>
+          <a:p>
+            <a:endParaRPr lang="pt-BR" dirty="0" smtClean="0"/>
+          </a:p>
+          <a:p>
+            <a:pPr marL="0" marR="0" lvl="1" indent="0" algn="l" defTabSz="914400" rtl="0" eaLnBrk="1" fontAlgn="auto" latinLnBrk="0" hangingPunct="1">
+              <a:lnSpc>
+                <a:spcPct val="100000"/>
+              </a:lnSpc>
+              <a:spcBef>
+                <a:spcPts val="0"/>
+              </a:spcBef>
+              <a:spcAft>
+                <a:spcPts val="0"/>
+              </a:spcAft>
+              <a:buClrTx/>
+              <a:buSzTx/>
+              <a:buFontTx/>
+              <a:buNone/>
+              <a:tabLst/>
+              <a:defRPr/>
+            </a:pPr>
+            <a:r>
+              <a:rPr lang="pt-BR" dirty="0" smtClean="0"/>
+              <a:t>Análise de processos e seus resultados exige um rigoroso acompanhamento das alterações ocorridas</a:t>
+            </a:r>
+          </a:p>
+          <a:p>
+            <a:endParaRPr lang="pt-BR" dirty="0" smtClean="0"/>
+          </a:p>
+          <a:p>
+            <a:r>
+              <a:rPr lang="pt-BR" dirty="0" smtClean="0"/>
+              <a:t>Resultados de experimentos científicos </a:t>
+            </a:r>
+          </a:p>
+          <a:p>
+            <a:pPr lvl="1"/>
+            <a:r>
+              <a:rPr lang="pt-BR" dirty="0" smtClean="0"/>
+              <a:t>não podem ser compreendidos sem o conhecimento do significado dos dados </a:t>
+            </a:r>
+          </a:p>
+          <a:p>
+            <a:pPr lvl="1"/>
+            <a:r>
+              <a:rPr lang="pt-BR" dirty="0" smtClean="0"/>
+              <a:t>conhecimento das circunstâncias ocorridas em sua criação </a:t>
+            </a:r>
+          </a:p>
+          <a:p>
+            <a:endParaRPr lang="pt-BR" dirty="0" smtClean="0"/>
+          </a:p>
+          <a:p>
+            <a:endParaRPr lang="en-US" dirty="0" smtClean="0"/>
+          </a:p>
+          <a:p>
+            <a:endParaRPr lang="en-US" dirty="0" smtClean="0"/>
+          </a:p>
+          <a:p>
+            <a:r>
               <a:rPr lang="en-US" dirty="0" err="1" smtClean="0"/>
               <a:t>Exitem</a:t>
             </a:r>
             <a:r>
               <a:rPr lang="en-US" dirty="0" smtClean="0"/>
-              <a:t> 2 </a:t>
+              <a:t> </a:t>
+            </a:r>
+            <a:r>
+              <a:rPr lang="en-US" dirty="0" smtClean="0"/>
+              <a:t>2 </a:t>
             </a:r>
             <a:r>
               <a:rPr lang="en-US" dirty="0" err="1" smtClean="0"/>
@@ -1780,7 +1858,202 @@
             </a:pPr>
             <a:r>
               <a:rPr lang="pt-BR" dirty="0" smtClean="0"/>
-              <a:t>Ambos modelos apresentados permitem representar diversos aspectos das informações de proveniência, porém apresentam algumas diferenças.</a:t>
+              <a:t>PROV</a:t>
+            </a:r>
+          </a:p>
+          <a:p>
+            <a:pPr marL="0" marR="0" lvl="1" indent="0" algn="l" defTabSz="914400" rtl="0" eaLnBrk="1" fontAlgn="auto" latinLnBrk="0" hangingPunct="1">
+              <a:lnSpc>
+                <a:spcPct val="100000"/>
+              </a:lnSpc>
+              <a:spcBef>
+                <a:spcPts val="0"/>
+              </a:spcBef>
+              <a:spcAft>
+                <a:spcPts val="0"/>
+              </a:spcAft>
+              <a:buClrTx/>
+              <a:buSzTx/>
+              <a:buFontTx/>
+              <a:buNone/>
+              <a:tabLst/>
+              <a:defRPr/>
+            </a:pPr>
+            <a:r>
+              <a:rPr lang="pt-BR" dirty="0" smtClean="0"/>
+              <a:t>Voltado para armazenar dados de proveniência de maneira mais detalhada</a:t>
+            </a:r>
+          </a:p>
+          <a:p>
+            <a:pPr marL="0" marR="0" lvl="1" indent="0" algn="l" defTabSz="914400" rtl="0" eaLnBrk="1" fontAlgn="auto" latinLnBrk="0" hangingPunct="1">
+              <a:lnSpc>
+                <a:spcPct val="100000"/>
+              </a:lnSpc>
+              <a:spcBef>
+                <a:spcPts val="0"/>
+              </a:spcBef>
+              <a:spcAft>
+                <a:spcPts val="0"/>
+              </a:spcAft>
+              <a:buClrTx/>
+              <a:buSzTx/>
+              <a:buFontTx/>
+              <a:buNone/>
+              <a:tabLst/>
+              <a:defRPr/>
+            </a:pPr>
+            <a:endParaRPr lang="pt-BR" dirty="0" smtClean="0"/>
+          </a:p>
+          <a:p>
+            <a:pPr marL="0" marR="0" lvl="1" indent="0" algn="l" defTabSz="914400" rtl="0" eaLnBrk="1" fontAlgn="auto" latinLnBrk="0" hangingPunct="1">
+              <a:lnSpc>
+                <a:spcPct val="100000"/>
+              </a:lnSpc>
+              <a:spcBef>
+                <a:spcPts val="0"/>
+              </a:spcBef>
+              <a:spcAft>
+                <a:spcPts val="0"/>
+              </a:spcAft>
+              <a:buClrTx/>
+              <a:buSzTx/>
+              <a:buFontTx/>
+              <a:buNone/>
+              <a:tabLst/>
+              <a:defRPr/>
+            </a:pPr>
+            <a:r>
+              <a:rPr lang="pt-BR" dirty="0" smtClean="0"/>
+              <a:t>foca nas responsabilidades dos </a:t>
+            </a:r>
+            <a:r>
+              <a:rPr lang="pt-BR" i="1" dirty="0" smtClean="0"/>
+              <a:t>agentes</a:t>
+            </a:r>
+            <a:r>
+              <a:rPr lang="pt-BR" dirty="0" smtClean="0"/>
+              <a:t> nos itens de proveniência pois PROV possui relações específicas para </a:t>
+            </a:r>
+            <a:r>
+              <a:rPr lang="pt-BR" i="1" dirty="0" smtClean="0"/>
+              <a:t>agentes</a:t>
+            </a:r>
+            <a:r>
+              <a:rPr lang="pt-BR" dirty="0" smtClean="0"/>
+              <a:t>, sem equivalências no OPM</a:t>
+            </a:r>
+          </a:p>
+          <a:p>
+            <a:pPr marL="0" marR="0" lvl="1" indent="0" algn="l" defTabSz="914400" rtl="0" eaLnBrk="1" fontAlgn="auto" latinLnBrk="0" hangingPunct="1">
+              <a:lnSpc>
+                <a:spcPct val="100000"/>
+              </a:lnSpc>
+              <a:spcBef>
+                <a:spcPts val="0"/>
+              </a:spcBef>
+              <a:spcAft>
+                <a:spcPts val="0"/>
+              </a:spcAft>
+              <a:buClrTx/>
+              <a:buSzTx/>
+              <a:buFontTx/>
+              <a:buNone/>
+              <a:tabLst/>
+              <a:defRPr/>
+            </a:pPr>
+            <a:endParaRPr lang="pt-BR" dirty="0" smtClean="0"/>
+          </a:p>
+          <a:p>
+            <a:pPr marL="0" marR="0" lvl="1" indent="0" algn="l" defTabSz="914400" rtl="0" eaLnBrk="1" fontAlgn="auto" latinLnBrk="0" hangingPunct="1">
+              <a:lnSpc>
+                <a:spcPct val="100000"/>
+              </a:lnSpc>
+              <a:spcBef>
+                <a:spcPts val="0"/>
+              </a:spcBef>
+              <a:spcAft>
+                <a:spcPts val="0"/>
+              </a:spcAft>
+              <a:buClrTx/>
+              <a:buSzTx/>
+              <a:buFontTx/>
+              <a:buNone/>
+              <a:tabLst/>
+              <a:defRPr/>
+            </a:pPr>
+            <a:r>
+              <a:rPr lang="pt-BR" dirty="0" smtClean="0"/>
+              <a:t>OPM</a:t>
+            </a:r>
+          </a:p>
+          <a:p>
+            <a:pPr marL="0" marR="0" lvl="1" indent="0" algn="l" defTabSz="914400" rtl="0" eaLnBrk="1" fontAlgn="auto" latinLnBrk="0" hangingPunct="1">
+              <a:lnSpc>
+                <a:spcPct val="100000"/>
+              </a:lnSpc>
+              <a:spcBef>
+                <a:spcPts val="0"/>
+              </a:spcBef>
+              <a:spcAft>
+                <a:spcPts val="0"/>
+              </a:spcAft>
+              <a:buClrTx/>
+              <a:buSzTx/>
+              <a:buFontTx/>
+              <a:buNone/>
+              <a:tabLst/>
+              <a:defRPr/>
+            </a:pPr>
+            <a:r>
+              <a:rPr lang="pt-BR" dirty="0" smtClean="0"/>
+              <a:t>definido quatro anos antes que o PROV</a:t>
+            </a:r>
+          </a:p>
+          <a:p>
+            <a:pPr marL="0" marR="0" lvl="1" indent="0" algn="l" defTabSz="914400" rtl="0" eaLnBrk="1" fontAlgn="auto" latinLnBrk="0" hangingPunct="1">
+              <a:lnSpc>
+                <a:spcPct val="100000"/>
+              </a:lnSpc>
+              <a:spcBef>
+                <a:spcPts val="0"/>
+              </a:spcBef>
+              <a:spcAft>
+                <a:spcPts val="0"/>
+              </a:spcAft>
+              <a:buClrTx/>
+              <a:buSzTx/>
+              <a:buFontTx/>
+              <a:buNone/>
+              <a:tabLst/>
+              <a:defRPr/>
+            </a:pPr>
+            <a:endParaRPr lang="pt-BR" dirty="0" smtClean="0"/>
+          </a:p>
+          <a:p>
+            <a:pPr marL="0" marR="0" lvl="1" indent="0" algn="l" defTabSz="914400" rtl="0" eaLnBrk="1" fontAlgn="auto" latinLnBrk="0" hangingPunct="1">
+              <a:lnSpc>
+                <a:spcPct val="100000"/>
+              </a:lnSpc>
+              <a:spcBef>
+                <a:spcPts val="0"/>
+              </a:spcBef>
+              <a:spcAft>
+                <a:spcPts val="0"/>
+              </a:spcAft>
+              <a:buClrTx/>
+              <a:buSzTx/>
+              <a:buFontTx/>
+              <a:buNone/>
+              <a:tabLst/>
+              <a:defRPr/>
+            </a:pPr>
+            <a:r>
+              <a:rPr lang="pt-BR" dirty="0" smtClean="0"/>
+              <a:t>Ambos </a:t>
+            </a:r>
+            <a:r>
+              <a:rPr lang="pt-BR" dirty="0" smtClean="0"/>
+              <a:t>modelos apresentados permitem representar diversos aspectos das informações de proveniência, porém apresentam algumas diferenças.</a:t>
             </a:r>
           </a:p>
           <a:p>
@@ -1885,7 +2158,163 @@
             </a:pPr>
             <a:r>
               <a:rPr lang="pt-BR" dirty="0" smtClean="0"/>
-              <a:t>permite usuário escolher possíveis alternativas de tradução, pois uma informação do OPM pode ser representada de mais de uma maneira no PROV.   </a:t>
+              <a:t>Criar um tradutor automático de modelos OPM para PROV representados em XML</a:t>
+            </a:r>
+          </a:p>
+          <a:p>
+            <a:pPr marL="0" marR="0" lvl="2" indent="0" algn="l" defTabSz="914400" rtl="0" eaLnBrk="1" fontAlgn="auto" latinLnBrk="0" hangingPunct="1">
+              <a:lnSpc>
+                <a:spcPct val="100000"/>
+              </a:lnSpc>
+              <a:spcBef>
+                <a:spcPts val="0"/>
+              </a:spcBef>
+              <a:spcAft>
+                <a:spcPts val="0"/>
+              </a:spcAft>
+              <a:buClrTx/>
+              <a:buSzTx/>
+              <a:buFontTx/>
+              <a:buNone/>
+              <a:tabLst/>
+              <a:defRPr/>
+            </a:pPr>
+            <a:endParaRPr lang="pt-BR" dirty="0" smtClean="0"/>
+          </a:p>
+          <a:p>
+            <a:pPr marL="0" marR="0" lvl="2" indent="0" algn="l" defTabSz="914400" rtl="0" eaLnBrk="1" fontAlgn="auto" latinLnBrk="0" hangingPunct="1">
+              <a:lnSpc>
+                <a:spcPct val="100000"/>
+              </a:lnSpc>
+              <a:spcBef>
+                <a:spcPts val="0"/>
+              </a:spcBef>
+              <a:spcAft>
+                <a:spcPts val="0"/>
+              </a:spcAft>
+              <a:buClrTx/>
+              <a:buSzTx/>
+              <a:buFontTx/>
+              <a:buNone/>
+              <a:tabLst/>
+              <a:defRPr/>
+            </a:pPr>
+            <a:r>
+              <a:rPr lang="pt-BR" dirty="0" smtClean="0"/>
+              <a:t>auxiliar sistemas OPM que queiram migrar para a especificação PROV</a:t>
+            </a:r>
+          </a:p>
+          <a:p>
+            <a:pPr marL="0" marR="0" lvl="2" indent="0" algn="l" defTabSz="914400" rtl="0" eaLnBrk="1" fontAlgn="auto" latinLnBrk="0" hangingPunct="1">
+              <a:lnSpc>
+                <a:spcPct val="100000"/>
+              </a:lnSpc>
+              <a:spcBef>
+                <a:spcPts val="0"/>
+              </a:spcBef>
+              <a:spcAft>
+                <a:spcPts val="0"/>
+              </a:spcAft>
+              <a:buClrTx/>
+              <a:buSzTx/>
+              <a:buFontTx/>
+              <a:buNone/>
+              <a:tabLst/>
+              <a:defRPr/>
+            </a:pPr>
+            <a:endParaRPr lang="pt-BR" dirty="0" smtClean="0"/>
+          </a:p>
+          <a:p>
+            <a:pPr marL="0" marR="0" lvl="2" indent="0" algn="l" defTabSz="914400" rtl="0" eaLnBrk="1" fontAlgn="auto" latinLnBrk="0" hangingPunct="1">
+              <a:lnSpc>
+                <a:spcPct val="100000"/>
+              </a:lnSpc>
+              <a:spcBef>
+                <a:spcPts val="0"/>
+              </a:spcBef>
+              <a:spcAft>
+                <a:spcPts val="0"/>
+              </a:spcAft>
+              <a:buClrTx/>
+              <a:buSzTx/>
+              <a:buFontTx/>
+              <a:buNone/>
+              <a:tabLst/>
+              <a:defRPr/>
+            </a:pPr>
+            <a:r>
+              <a:rPr lang="pt-BR" dirty="0" smtClean="0"/>
+              <a:t>facilitar a comunicação entre sistemas OPM e PROV.</a:t>
+            </a:r>
+          </a:p>
+          <a:p>
+            <a:pPr marL="0" marR="0" lvl="2" indent="0" algn="l" defTabSz="914400" rtl="0" eaLnBrk="1" fontAlgn="auto" latinLnBrk="0" hangingPunct="1">
+              <a:lnSpc>
+                <a:spcPct val="100000"/>
+              </a:lnSpc>
+              <a:spcBef>
+                <a:spcPts val="0"/>
+              </a:spcBef>
+              <a:spcAft>
+                <a:spcPts val="0"/>
+              </a:spcAft>
+              <a:buClrTx/>
+              <a:buSzTx/>
+              <a:buFontTx/>
+              <a:buNone/>
+              <a:tabLst/>
+              <a:defRPr/>
+            </a:pPr>
+            <a:endParaRPr lang="pt-BR" dirty="0" smtClean="0"/>
+          </a:p>
+          <a:p>
+            <a:pPr marL="0" marR="0" lvl="2" indent="0" algn="l" defTabSz="914400" rtl="0" eaLnBrk="1" fontAlgn="auto" latinLnBrk="0" hangingPunct="1">
+              <a:lnSpc>
+                <a:spcPct val="100000"/>
+              </a:lnSpc>
+              <a:spcBef>
+                <a:spcPts val="0"/>
+              </a:spcBef>
+              <a:spcAft>
+                <a:spcPts val="0"/>
+              </a:spcAft>
+              <a:buClrTx/>
+              <a:buSzTx/>
+              <a:buFontTx/>
+              <a:buNone/>
+              <a:tabLst/>
+              <a:defRPr/>
+            </a:pPr>
+            <a:r>
+              <a:rPr lang="pt-BR" dirty="0" smtClean="0"/>
+              <a:t>processo interativo</a:t>
+            </a:r>
+          </a:p>
+          <a:p>
+            <a:pPr marL="0" marR="0" lvl="2" indent="0" algn="l" defTabSz="914400" rtl="0" eaLnBrk="1" fontAlgn="auto" latinLnBrk="0" hangingPunct="1">
+              <a:lnSpc>
+                <a:spcPct val="100000"/>
+              </a:lnSpc>
+              <a:spcBef>
+                <a:spcPts val="0"/>
+              </a:spcBef>
+              <a:spcAft>
+                <a:spcPts val="0"/>
+              </a:spcAft>
+              <a:buClrTx/>
+              <a:buSzTx/>
+              <a:buFontTx/>
+              <a:buNone/>
+              <a:tabLst/>
+              <a:defRPr/>
+            </a:pPr>
+            <a:r>
+              <a:rPr lang="pt-BR" dirty="0" smtClean="0"/>
+              <a:t>permite </a:t>
+            </a:r>
+            <a:r>
+              <a:rPr lang="pt-BR" dirty="0" smtClean="0"/>
+              <a:t>usuário escolher possíveis alternativas de tradução, pois uma informação do OPM pode ser representada de mais de uma maneira no PROV.   </a:t>
             </a:r>
             <a:endParaRPr lang="en-US" dirty="0" smtClean="0"/>
           </a:p>
@@ -2539,6 +2968,235 @@
 </p:notes>
 </file>
 
+<file path=ppt/notesSlides/notesSlide17.xml><?xml version="1.0" encoding="utf-8"?>
+<p:notes xmlns:a="http://schemas.openxmlformats.org/drawingml/2006/main" xmlns:r="http://schemas.openxmlformats.org/officeDocument/2006/relationships" xmlns:p="http://schemas.openxmlformats.org/presentationml/2006/main">
+  <p:cSld>
+    <p:spTree>
+      <p:nvGrpSpPr>
+        <p:cNvPr id="1" name=""/>
+        <p:cNvGrpSpPr/>
+        <p:nvPr/>
+      </p:nvGrpSpPr>
+      <p:grpSpPr>
+        <a:xfrm>
+          <a:off x="0" y="0"/>
+          <a:ext cx="0" cy="0"/>
+          <a:chOff x="0" y="0"/>
+          <a:chExt cx="0" cy="0"/>
+        </a:xfrm>
+      </p:grpSpPr>
+      <p:sp>
+        <p:nvSpPr>
+          <p:cNvPr id="2" name="Slide Image Placeholder 1"/>
+          <p:cNvSpPr>
+            <a:spLocks noGrp="1" noRot="1" noChangeAspect="1"/>
+          </p:cNvSpPr>
+          <p:nvPr>
+            <p:ph type="sldImg"/>
+          </p:nvPr>
+        </p:nvSpPr>
+        <p:spPr/>
+      </p:sp>
+      <p:sp>
+        <p:nvSpPr>
+          <p:cNvPr id="3" name="Notes Placeholder 2"/>
+          <p:cNvSpPr>
+            <a:spLocks noGrp="1"/>
+          </p:cNvSpPr>
+          <p:nvPr>
+            <p:ph type="body" idx="1"/>
+          </p:nvPr>
+        </p:nvSpPr>
+        <p:spPr/>
+        <p:txBody>
+          <a:bodyPr>
+            <a:normAutofit/>
+          </a:bodyPr>
+          <a:lstStyle/>
+          <a:p>
+            <a:r>
+              <a:rPr lang="en-US" dirty="0" smtClean="0"/>
+              <a:t>O </a:t>
+            </a:r>
+            <a:r>
+              <a:rPr lang="en-US" dirty="0" err="1" smtClean="0"/>
+              <a:t>prov</a:t>
+            </a:r>
+            <a:r>
+              <a:rPr lang="en-US" dirty="0" smtClean="0"/>
+              <a:t> </a:t>
+            </a:r>
+            <a:r>
+              <a:rPr lang="en-US" dirty="0" err="1" smtClean="0"/>
+              <a:t>permite</a:t>
+            </a:r>
+            <a:r>
+              <a:rPr lang="en-US" dirty="0" smtClean="0"/>
+              <a:t> </a:t>
+            </a:r>
+            <a:r>
+              <a:rPr lang="en-US" dirty="0" err="1" smtClean="0"/>
+              <a:t>classificar</a:t>
+            </a:r>
+            <a:r>
+              <a:rPr lang="en-US" dirty="0" smtClean="0"/>
+              <a:t> a </a:t>
+            </a:r>
+            <a:r>
+              <a:rPr lang="en-US" dirty="0" err="1" smtClean="0"/>
+              <a:t>proveniencia</a:t>
+            </a:r>
+            <a:r>
+              <a:rPr lang="en-US" baseline="0" dirty="0" smtClean="0"/>
+              <a:t> de dados </a:t>
+            </a:r>
+            <a:r>
+              <a:rPr lang="en-US" baseline="0" dirty="0" err="1" smtClean="0"/>
+              <a:t>em</a:t>
+            </a:r>
+            <a:r>
+              <a:rPr lang="en-US" baseline="0" dirty="0" smtClean="0"/>
+              <a:t> </a:t>
+            </a:r>
+            <a:r>
+              <a:rPr lang="en-US" baseline="0" dirty="0" err="1" smtClean="0"/>
+              <a:t>tres</a:t>
+            </a:r>
+            <a:r>
+              <a:rPr lang="en-US" baseline="0" dirty="0" smtClean="0"/>
+              <a:t> </a:t>
+            </a:r>
+            <a:r>
+              <a:rPr lang="en-US" baseline="0" dirty="0" err="1" smtClean="0"/>
+              <a:t>tipos</a:t>
+            </a:r>
+            <a:endParaRPr lang="en-US" baseline="0" dirty="0" smtClean="0"/>
+          </a:p>
+          <a:p>
+            <a:endParaRPr lang="en-US" baseline="0" dirty="0" smtClean="0"/>
+          </a:p>
+          <a:p>
+            <a:pPr lvl="1"/>
+            <a:r>
+              <a:rPr lang="pt-BR" b="1" dirty="0" smtClean="0"/>
+              <a:t>Centralizado em Agentes</a:t>
+            </a:r>
+            <a:r>
+              <a:rPr lang="pt-BR" dirty="0" smtClean="0"/>
+              <a:t>: </a:t>
+            </a:r>
+            <a:r>
+              <a:rPr lang="pt-BR" i="1" dirty="0" smtClean="0"/>
+              <a:t>Especificar </a:t>
+            </a:r>
+            <a:r>
+              <a:rPr lang="pt-BR" i="1" u="sng" dirty="0" smtClean="0"/>
+              <a:t>quem</a:t>
+            </a:r>
+            <a:r>
+              <a:rPr lang="pt-BR" i="1" dirty="0" smtClean="0"/>
+              <a:t> executou certas ações ou gerou certos objetos</a:t>
+            </a:r>
+          </a:p>
+          <a:p>
+            <a:pPr lvl="1"/>
+            <a:endParaRPr lang="en-US" dirty="0" smtClean="0"/>
+          </a:p>
+          <a:p>
+            <a:pPr lvl="1"/>
+            <a:r>
+              <a:rPr lang="pt-BR" b="1" dirty="0" smtClean="0"/>
+              <a:t>Centralizada em Objetos</a:t>
+            </a:r>
+            <a:r>
+              <a:rPr lang="pt-BR" dirty="0" smtClean="0"/>
+              <a:t>:</a:t>
+            </a:r>
+            <a:r>
+              <a:rPr lang="pt-BR" i="1" dirty="0" smtClean="0"/>
+              <a:t> Especificar </a:t>
+            </a:r>
+            <a:r>
+              <a:rPr lang="pt-BR" i="1" u="sng" dirty="0" smtClean="0"/>
+              <a:t>quais</a:t>
+            </a:r>
+            <a:r>
+              <a:rPr lang="pt-BR" i="1" dirty="0" smtClean="0"/>
+              <a:t> são as partes que compõem um objeto</a:t>
+            </a:r>
+          </a:p>
+          <a:p>
+            <a:pPr lvl="1"/>
+            <a:r>
+              <a:rPr lang="pt-BR" i="1" dirty="0" smtClean="0"/>
+              <a:t>Especificar as origens dos objetos</a:t>
+            </a:r>
+          </a:p>
+          <a:p>
+            <a:pPr lvl="1"/>
+            <a:endParaRPr lang="en-US" dirty="0" smtClean="0"/>
+          </a:p>
+          <a:p>
+            <a:pPr lvl="1"/>
+            <a:r>
+              <a:rPr lang="pt-BR" b="1" dirty="0" smtClean="0"/>
+              <a:t>Centralizada em Processos</a:t>
+            </a:r>
+            <a:r>
+              <a:rPr lang="pt-BR" dirty="0" smtClean="0"/>
+              <a:t>:</a:t>
+            </a:r>
+            <a:r>
+              <a:rPr lang="pt-BR" i="1" dirty="0" smtClean="0"/>
+              <a:t> Especificar </a:t>
+            </a:r>
+            <a:r>
+              <a:rPr lang="pt-BR" i="1" u="sng" dirty="0" smtClean="0"/>
+              <a:t>como</a:t>
+            </a:r>
+            <a:r>
+              <a:rPr lang="pt-BR" i="1" dirty="0" smtClean="0"/>
+              <a:t> foram geradas as informações em questão.</a:t>
+            </a:r>
+            <a:endParaRPr lang="en-US" i="1" dirty="0" smtClean="0"/>
+          </a:p>
+          <a:p>
+            <a:endParaRPr lang="en-US" dirty="0"/>
+          </a:p>
+        </p:txBody>
+      </p:sp>
+      <p:sp>
+        <p:nvSpPr>
+          <p:cNvPr id="4" name="Slide Number Placeholder 3"/>
+          <p:cNvSpPr>
+            <a:spLocks noGrp="1"/>
+          </p:cNvSpPr>
+          <p:nvPr>
+            <p:ph type="sldNum" sz="quarter" idx="10"/>
+          </p:nvPr>
+        </p:nvSpPr>
+        <p:spPr/>
+        <p:txBody>
+          <a:bodyPr/>
+          <a:lstStyle/>
+          <a:p>
+            <a:fld id="{6526768D-756A-4A93-AFB3-3AF6428EC1FC}" type="slidenum">
+              <a:rPr lang="pt-BR" smtClean="0"/>
+              <a:pPr/>
+              <a:t>22</a:t>
+            </a:fld>
+            <a:endParaRPr lang="pt-BR"/>
+          </a:p>
+        </p:txBody>
+      </p:sp>
+    </p:spTree>
+  </p:cSld>
+  <p:clrMapOvr>
+    <a:masterClrMapping/>
+  </p:clrMapOvr>
+</p:notes>
+</file>
+
 <file path=ppt/notesSlides/notesSlide2.xml><?xml version="1.0" encoding="utf-8"?>
 <p:notes xmlns:a="http://schemas.openxmlformats.org/drawingml/2006/main" xmlns:r="http://schemas.openxmlformats.org/officeDocument/2006/relationships" xmlns:p="http://schemas.openxmlformats.org/presentationml/2006/main">
   <p:cSld>
@@ -2604,11 +3262,93 @@
             </a:pPr>
             <a:r>
               <a:rPr lang="pt-BR" dirty="0" smtClean="0"/>
-              <a:t>No entanto, existe a possibilidade de o PROV se tornar o modelo padrão de proveniência uma vez que este é apoiado por um órgão de peso como o W3C.</a:t>
-            </a:r>
-          </a:p>
-          <a:p>
-            <a:pPr marL="0" marR="0" lvl="1" indent="0" algn="l" defTabSz="914400" rtl="0" eaLnBrk="1" fontAlgn="auto" latinLnBrk="0" hangingPunct="1">
+              <a:t>Grafo de Causalidade: registra a trajetória de vida de um processo ou artefato</a:t>
+            </a:r>
+          </a:p>
+          <a:p>
+            <a:endParaRPr lang="pt-BR" dirty="0" smtClean="0">
+              <a:latin typeface="Times New Roman" pitchFamily="18" charset="0"/>
+            </a:endParaRPr>
+          </a:p>
+          <a:p>
+            <a:r>
+              <a:rPr lang="pt-BR" dirty="0" err="1" smtClean="0">
+                <a:latin typeface="Times New Roman" pitchFamily="18" charset="0"/>
+              </a:rPr>
+              <a:t>Proveniencia</a:t>
+            </a:r>
+            <a:r>
+              <a:rPr lang="pt-BR" dirty="0" smtClean="0">
+                <a:latin typeface="Times New Roman" pitchFamily="18" charset="0"/>
+              </a:rPr>
+              <a:t> </a:t>
+            </a:r>
+            <a:r>
+              <a:rPr lang="pt-BR" dirty="0" smtClean="0">
+                <a:latin typeface="Times New Roman" pitchFamily="18" charset="0"/>
+              </a:rPr>
+              <a:t>conta com um grafo orientado de </a:t>
+            </a:r>
+            <a:r>
+              <a:rPr lang="pt-BR" dirty="0" err="1" smtClean="0">
+                <a:latin typeface="Times New Roman" pitchFamily="18" charset="0"/>
+              </a:rPr>
+              <a:t>causualidades</a:t>
+            </a:r>
+            <a:r>
+              <a:rPr lang="pt-BR" dirty="0" smtClean="0">
+                <a:latin typeface="Times New Roman" pitchFamily="18" charset="0"/>
+              </a:rPr>
+              <a:t>, mantendo um registro de execuções passadas ou correntes.</a:t>
+            </a:r>
+          </a:p>
+          <a:p>
+            <a:r>
+              <a:rPr lang="pt-BR" dirty="0" smtClean="0">
+                <a:latin typeface="Times New Roman" pitchFamily="18" charset="0"/>
+              </a:rPr>
+              <a:t>Vale a pena lembrar que o grafo de </a:t>
+            </a:r>
+            <a:r>
+              <a:rPr lang="pt-BR" dirty="0" err="1" smtClean="0">
+                <a:latin typeface="Times New Roman" pitchFamily="18" charset="0"/>
+              </a:rPr>
+              <a:t>proveniencia</a:t>
+            </a:r>
+            <a:r>
+              <a:rPr lang="pt-BR" dirty="0" smtClean="0">
+                <a:latin typeface="Times New Roman" pitchFamily="18" charset="0"/>
+              </a:rPr>
+              <a:t> não é uma descrição do que pode ter ocorrido, e sim os fatos que ocorreram.</a:t>
+            </a:r>
+          </a:p>
+          <a:p>
+            <a:r>
+              <a:rPr lang="pt-BR" dirty="0" smtClean="0">
+                <a:latin typeface="Times New Roman" pitchFamily="18" charset="0"/>
+              </a:rPr>
+              <a:t>A orientação de um grafo de </a:t>
+            </a:r>
+            <a:r>
+              <a:rPr lang="pt-BR" dirty="0" err="1" smtClean="0">
+                <a:latin typeface="Times New Roman" pitchFamily="18" charset="0"/>
+              </a:rPr>
+              <a:t>proveniencia</a:t>
+            </a:r>
+            <a:r>
+              <a:rPr lang="pt-BR" dirty="0" smtClean="0">
+                <a:latin typeface="Times New Roman" pitchFamily="18" charset="0"/>
+              </a:rPr>
+              <a:t> é do presente para o passado.</a:t>
+            </a:r>
+          </a:p>
+          <a:p>
+            <a:endParaRPr lang="pt-BR" dirty="0" smtClean="0">
+              <a:latin typeface="Times New Roman" pitchFamily="18" charset="0"/>
+            </a:endParaRPr>
+          </a:p>
+          <a:p>
+            <a:pPr marL="0" marR="0" indent="0" algn="l" defTabSz="914400" rtl="0" eaLnBrk="1" fontAlgn="auto" latinLnBrk="0" hangingPunct="1">
               <a:lnSpc>
                 <a:spcPct val="100000"/>
               </a:lnSpc>
@@ -2626,8 +3366,34 @@
               <a:defRPr/>
             </a:pPr>
             <a:r>
-              <a:rPr lang="pt-BR" dirty="0" smtClean="0"/>
-              <a:t>Isto culminaria em um processo de migração em massa dos sistemas existentes que utilizam o OPM para o PROV. </a:t>
+              <a:rPr lang="pt-BR" dirty="0" smtClean="0">
+                <a:latin typeface="Times New Roman" pitchFamily="18" charset="0"/>
+              </a:rPr>
+              <a:t>Os nós no grafo de </a:t>
+            </a:r>
+            <a:r>
+              <a:rPr lang="pt-BR" dirty="0" err="1" smtClean="0">
+                <a:latin typeface="Times New Roman" pitchFamily="18" charset="0"/>
+              </a:rPr>
+              <a:t>proveniencia</a:t>
+            </a:r>
+            <a:r>
+              <a:rPr lang="pt-BR" dirty="0" smtClean="0">
+                <a:latin typeface="Times New Roman" pitchFamily="18" charset="0"/>
+              </a:rPr>
+              <a:t> podem ser de 3 tipos: Artefatos ou </a:t>
+            </a:r>
+            <a:r>
+              <a:rPr lang="pt-BR" dirty="0" err="1" smtClean="0">
+                <a:latin typeface="Times New Roman" pitchFamily="18" charset="0"/>
+              </a:rPr>
+              <a:t>tambem</a:t>
+            </a:r>
+            <a:r>
+              <a:rPr lang="pt-BR" dirty="0" smtClean="0">
+                <a:latin typeface="Times New Roman" pitchFamily="18" charset="0"/>
+              </a:rPr>
+              <a:t> chamados de entidades, processos ou atividades, e de agentes.</a:t>
             </a:r>
           </a:p>
           <a:p>
@@ -2713,78 +3479,7 @@
           </a:bodyPr>
           <a:lstStyle/>
           <a:p>
-            <a:r>
-              <a:rPr lang="pt-BR" dirty="0" err="1" smtClean="0">
-                <a:latin typeface="Times New Roman" pitchFamily="18" charset="0"/>
-              </a:rPr>
-              <a:t>Proveniencia</a:t>
-            </a:r>
-            <a:r>
-              <a:rPr lang="pt-BR" dirty="0" smtClean="0">
-                <a:latin typeface="Times New Roman" pitchFamily="18" charset="0"/>
-              </a:rPr>
-              <a:t> conta com um grafo orientado de </a:t>
-            </a:r>
-            <a:r>
-              <a:rPr lang="pt-BR" dirty="0" err="1" smtClean="0">
-                <a:latin typeface="Times New Roman" pitchFamily="18" charset="0"/>
-              </a:rPr>
-              <a:t>causualidades</a:t>
-            </a:r>
-            <a:r>
-              <a:rPr lang="pt-BR" dirty="0" smtClean="0">
-                <a:latin typeface="Times New Roman" pitchFamily="18" charset="0"/>
-              </a:rPr>
-              <a:t>, mantendo um registro de execuções passadas ou correntes.</a:t>
-            </a:r>
-          </a:p>
-          <a:p>
-            <a:r>
-              <a:rPr lang="pt-BR" dirty="0" smtClean="0">
-                <a:latin typeface="Times New Roman" pitchFamily="18" charset="0"/>
-              </a:rPr>
-              <a:t>Vale a pena lembrar que o grafo de </a:t>
-            </a:r>
-            <a:r>
-              <a:rPr lang="pt-BR" dirty="0" err="1" smtClean="0">
-                <a:latin typeface="Times New Roman" pitchFamily="18" charset="0"/>
-              </a:rPr>
-              <a:t>proveniencia</a:t>
-            </a:r>
-            <a:r>
-              <a:rPr lang="pt-BR" dirty="0" smtClean="0">
-                <a:latin typeface="Times New Roman" pitchFamily="18" charset="0"/>
-              </a:rPr>
-              <a:t> não é uma descrição do que pode ter ocorrido, e sim os fatos que ocorreram.</a:t>
-            </a:r>
-          </a:p>
-          <a:p>
-            <a:r>
-              <a:rPr lang="pt-BR" dirty="0" smtClean="0">
-                <a:latin typeface="Times New Roman" pitchFamily="18" charset="0"/>
-              </a:rPr>
-              <a:t>A orientação de um grafo de </a:t>
-            </a:r>
-            <a:r>
-              <a:rPr lang="pt-BR" dirty="0" err="1" smtClean="0">
-                <a:latin typeface="Times New Roman" pitchFamily="18" charset="0"/>
-              </a:rPr>
-              <a:t>proveniencia</a:t>
-            </a:r>
-            <a:r>
-              <a:rPr lang="pt-BR" dirty="0" smtClean="0">
-                <a:latin typeface="Times New Roman" pitchFamily="18" charset="0"/>
-              </a:rPr>
-              <a:t> é do presente para o passado.</a:t>
-            </a:r>
-          </a:p>
-          <a:p>
-            <a:endParaRPr lang="pt-BR" dirty="0" smtClean="0">
-              <a:latin typeface="Times New Roman" pitchFamily="18" charset="0"/>
-            </a:endParaRPr>
-          </a:p>
-          <a:p>
-            <a:pPr marL="0" marR="0" indent="0" algn="l" defTabSz="914400" rtl="0" eaLnBrk="1" fontAlgn="auto" latinLnBrk="0" hangingPunct="1">
+            <a:pPr marL="0" marR="0" lvl="1" indent="0" algn="l" defTabSz="914400" rtl="0" eaLnBrk="1" fontAlgn="auto" latinLnBrk="0" hangingPunct="1">
               <a:lnSpc>
                 <a:spcPct val="100000"/>
               </a:lnSpc>
@@ -2802,34 +3497,102 @@
               <a:defRPr/>
             </a:pPr>
             <a:r>
-              <a:rPr lang="pt-BR" dirty="0" smtClean="0">
-                <a:latin typeface="Times New Roman" pitchFamily="18" charset="0"/>
-              </a:rPr>
-              <a:t>Os nós no grafo de </a:t>
-            </a:r>
-            <a:r>
-              <a:rPr lang="pt-BR" dirty="0" err="1" smtClean="0">
-                <a:latin typeface="Times New Roman" pitchFamily="18" charset="0"/>
-              </a:rPr>
-              <a:t>proveniencia</a:t>
-            </a:r>
-            <a:r>
-              <a:rPr lang="pt-BR" dirty="0" smtClean="0">
-                <a:latin typeface="Times New Roman" pitchFamily="18" charset="0"/>
-              </a:rPr>
-              <a:t> podem ser de 3 tipos: Artefatos ou </a:t>
-            </a:r>
-            <a:r>
-              <a:rPr lang="pt-BR" dirty="0" err="1" smtClean="0">
-                <a:latin typeface="Times New Roman" pitchFamily="18" charset="0"/>
-              </a:rPr>
-              <a:t>tambem</a:t>
-            </a:r>
-            <a:r>
-              <a:rPr lang="pt-BR" dirty="0" smtClean="0">
-                <a:latin typeface="Times New Roman" pitchFamily="18" charset="0"/>
-              </a:rPr>
-              <a:t> chamados de entidades, processos ou atividades, e de agentes.</a:t>
+              <a:rPr lang="pt-BR" dirty="0" smtClean="0"/>
+              <a:t>Quando do surgimento do PROV, o OPM já vinha sendo utilizado em diversas abordagens </a:t>
+            </a:r>
+          </a:p>
+          <a:p>
+            <a:pPr marL="0" marR="0" lvl="1" indent="0" algn="l" defTabSz="914400" rtl="0" eaLnBrk="1" fontAlgn="auto" latinLnBrk="0" hangingPunct="1">
+              <a:lnSpc>
+                <a:spcPct val="100000"/>
+              </a:lnSpc>
+              <a:spcBef>
+                <a:spcPts val="0"/>
+              </a:spcBef>
+              <a:spcAft>
+                <a:spcPts val="0"/>
+              </a:spcAft>
+              <a:buClrTx/>
+              <a:buSzTx/>
+              <a:buFontTx/>
+              <a:buNone/>
+              <a:tabLst/>
+              <a:defRPr/>
+            </a:pPr>
+            <a:endParaRPr lang="pt-BR" dirty="0" smtClean="0"/>
+          </a:p>
+          <a:p>
+            <a:pPr marL="0" marR="0" lvl="1" indent="0" algn="l" defTabSz="914400" rtl="0" eaLnBrk="1" fontAlgn="auto" latinLnBrk="0" hangingPunct="1">
+              <a:lnSpc>
+                <a:spcPct val="100000"/>
+              </a:lnSpc>
+              <a:spcBef>
+                <a:spcPts val="0"/>
+              </a:spcBef>
+              <a:spcAft>
+                <a:spcPts val="0"/>
+              </a:spcAft>
+              <a:buClrTx/>
+              <a:buSzTx/>
+              <a:buFontTx/>
+              <a:buNone/>
+              <a:tabLst/>
+              <a:defRPr/>
+            </a:pPr>
+            <a:r>
+              <a:rPr lang="pt-BR" dirty="0" smtClean="0"/>
+              <a:t>No </a:t>
+            </a:r>
+            <a:r>
+              <a:rPr lang="pt-BR" dirty="0" smtClean="0"/>
+              <a:t>entanto, existe a possibilidade de o PROV se tornar o modelo padrão de proveniência uma vez que este é apoiado por um órgão de peso como o W3C</a:t>
+            </a:r>
+            <a:r>
+              <a:rPr lang="pt-BR" dirty="0" smtClean="0"/>
+              <a:t>.</a:t>
+            </a:r>
+          </a:p>
+          <a:p>
+            <a:pPr marL="0" marR="0" lvl="1" indent="0" algn="l" defTabSz="914400" rtl="0" eaLnBrk="1" fontAlgn="auto" latinLnBrk="0" hangingPunct="1">
+              <a:lnSpc>
+                <a:spcPct val="100000"/>
+              </a:lnSpc>
+              <a:spcBef>
+                <a:spcPts val="0"/>
+              </a:spcBef>
+              <a:spcAft>
+                <a:spcPts val="0"/>
+              </a:spcAft>
+              <a:buClrTx/>
+              <a:buSzTx/>
+              <a:buFontTx/>
+              <a:buNone/>
+              <a:tabLst/>
+              <a:defRPr/>
+            </a:pPr>
+            <a:endParaRPr lang="pt-BR" dirty="0" smtClean="0"/>
+          </a:p>
+          <a:p>
+            <a:pPr marL="0" marR="0" lvl="1" indent="0" algn="l" defTabSz="914400" rtl="0" eaLnBrk="1" fontAlgn="auto" latinLnBrk="0" hangingPunct="1">
+              <a:lnSpc>
+                <a:spcPct val="100000"/>
+              </a:lnSpc>
+              <a:spcBef>
+                <a:spcPts val="0"/>
+              </a:spcBef>
+              <a:spcAft>
+                <a:spcPts val="0"/>
+              </a:spcAft>
+              <a:buClrTx/>
+              <a:buSzTx/>
+              <a:buFontTx/>
+              <a:buNone/>
+              <a:tabLst/>
+              <a:defRPr/>
+            </a:pPr>
+            <a:r>
+              <a:rPr lang="pt-BR" dirty="0" smtClean="0"/>
+              <a:t>Isto culminaria em um processo de migração em massa dos sistemas existentes que utilizam o OPM para o PROV. </a:t>
             </a:r>
           </a:p>
           <a:p>
@@ -3065,6 +3828,67 @@
           </a:bodyPr>
           <a:lstStyle/>
           <a:p>
+            <a:pPr lvl="1"/>
+            <a:r>
+              <a:rPr lang="pt-BR" b="1" i="1" dirty="0" smtClean="0"/>
+              <a:t>Artefato (Círculo - A)</a:t>
+            </a:r>
+            <a:r>
+              <a:rPr lang="pt-BR" dirty="0" smtClean="0"/>
+              <a:t>: </a:t>
+            </a:r>
+            <a:r>
+              <a:rPr lang="pt-BR" i="1" dirty="0" smtClean="0"/>
+              <a:t>Entidades imutáveis que podem representar um objeto físico ou uma representação digital de um sistema de computador.</a:t>
+            </a:r>
+          </a:p>
+          <a:p>
+            <a:pPr lvl="1"/>
+            <a:endParaRPr lang="en-US" i="1" dirty="0" smtClean="0"/>
+          </a:p>
+          <a:p>
+            <a:pPr lvl="1"/>
+            <a:r>
+              <a:rPr lang="pt-BR" b="1" i="1" dirty="0" smtClean="0"/>
+              <a:t>Processo (Retângulo - P)</a:t>
+            </a:r>
+            <a:r>
+              <a:rPr lang="pt-BR" dirty="0" smtClean="0"/>
+              <a:t>: </a:t>
+            </a:r>
+            <a:r>
+              <a:rPr lang="pt-BR" i="1" dirty="0" smtClean="0"/>
+              <a:t>Ação ou conjunto de ações realizadas ou causadas por artefatos que irão resultar em novos artefatos.</a:t>
+            </a:r>
+          </a:p>
+          <a:p>
+            <a:pPr lvl="1"/>
+            <a:endParaRPr lang="en-US" i="1" dirty="0" smtClean="0"/>
+          </a:p>
+          <a:p>
+            <a:pPr lvl="1"/>
+            <a:r>
+              <a:rPr lang="pt-BR" b="1" i="1" dirty="0" smtClean="0"/>
+              <a:t>Agentes (Octógono - </a:t>
+            </a:r>
+            <a:r>
+              <a:rPr lang="pt-BR" b="1" i="1" dirty="0" err="1" smtClean="0"/>
+              <a:t>Ag</a:t>
+            </a:r>
+            <a:r>
+              <a:rPr lang="pt-BR" b="1" i="1" dirty="0" smtClean="0"/>
+              <a:t>)</a:t>
+            </a:r>
+            <a:r>
+              <a:rPr lang="pt-BR" dirty="0" smtClean="0"/>
+              <a:t>: </a:t>
+            </a:r>
+            <a:r>
+              <a:rPr lang="pt-BR" i="1" dirty="0" smtClean="0"/>
+              <a:t>Entidade contextual que age como catalisador de um processo, possibilitando, facilitando, controlando ou afetando sua execução.</a:t>
+            </a:r>
+          </a:p>
+          <a:p>
             <a:pPr marL="0" marR="0" indent="0" algn="l" defTabSz="914400" rtl="0" eaLnBrk="1" fontAlgn="auto" latinLnBrk="0" hangingPunct="1">
               <a:lnSpc>
                 <a:spcPct val="100000"/>
@@ -3082,9 +3906,53 @@
               <a:tabLst/>
               <a:defRPr/>
             </a:pPr>
-            <a:r>
-              <a:rPr lang="pt-BR" dirty="0" smtClean="0"/>
-              <a:t>Vale lembrar que o OPM visa sempre representar os acontecimentos passados, podendo até registrar um evento que ainda não tenha sido finalizado, mas nunca representando um evento do futuro. Dessa forma, seu foco está na proveniência retrospectiva em detrimento da prospectiva </a:t>
+            <a:endParaRPr lang="pt-BR" dirty="0" smtClean="0"/>
+          </a:p>
+          <a:p>
+            <a:pPr marL="0" marR="0" indent="0" algn="l" defTabSz="914400" rtl="0" eaLnBrk="1" fontAlgn="auto" latinLnBrk="0" hangingPunct="1">
+              <a:lnSpc>
+                <a:spcPct val="100000"/>
+              </a:lnSpc>
+              <a:spcBef>
+                <a:spcPts val="0"/>
+              </a:spcBef>
+              <a:spcAft>
+                <a:spcPts val="0"/>
+              </a:spcAft>
+              <a:buClrTx/>
+              <a:buSzTx/>
+              <a:buFontTx/>
+              <a:buNone/>
+              <a:tabLst/>
+              <a:defRPr/>
+            </a:pPr>
+            <a:endParaRPr lang="pt-BR" dirty="0" smtClean="0"/>
+          </a:p>
+          <a:p>
+            <a:pPr marL="0" marR="0" indent="0" algn="l" defTabSz="914400" rtl="0" eaLnBrk="1" fontAlgn="auto" latinLnBrk="0" hangingPunct="1">
+              <a:lnSpc>
+                <a:spcPct val="100000"/>
+              </a:lnSpc>
+              <a:spcBef>
+                <a:spcPts val="0"/>
+              </a:spcBef>
+              <a:spcAft>
+                <a:spcPts val="0"/>
+              </a:spcAft>
+              <a:buClrTx/>
+              <a:buSzTx/>
+              <a:buFontTx/>
+              <a:buNone/>
+              <a:tabLst/>
+              <a:defRPr/>
+            </a:pPr>
+            <a:r>
+              <a:rPr lang="pt-BR" dirty="0" smtClean="0"/>
+              <a:t>Vale </a:t>
+            </a:r>
+            <a:r>
+              <a:rPr lang="pt-BR" dirty="0" smtClean="0"/>
+              <a:t>lembrar que o OPM visa sempre representar os acontecimentos passados, podendo até registrar um evento que ainda não tenha sido finalizado, mas nunca representando um evento do futuro. Dessa forma, seu foco está na proveniência retrospectiva em detrimento da prospectiva </a:t>
             </a:r>
             <a:endParaRPr lang="en-US" dirty="0" smtClean="0"/>
           </a:p>
@@ -3737,6 +4605,252 @@
               <a:rPr lang="en-US" baseline="0" dirty="0" err="1" smtClean="0"/>
               <a:t>tipos</a:t>
             </a:r>
+            <a:endParaRPr lang="en-US" baseline="0" dirty="0" smtClean="0"/>
+          </a:p>
+          <a:p>
+            <a:endParaRPr lang="en-US" baseline="0" dirty="0" smtClean="0"/>
+          </a:p>
+          <a:p>
+            <a:pPr lvl="1"/>
+            <a:r>
+              <a:rPr lang="pt-BR" b="1" dirty="0" smtClean="0"/>
+              <a:t>Centralizado em Agentes</a:t>
+            </a:r>
+            <a:r>
+              <a:rPr lang="pt-BR" dirty="0" smtClean="0"/>
+              <a:t>: </a:t>
+            </a:r>
+            <a:r>
+              <a:rPr lang="pt-BR" i="1" dirty="0" smtClean="0"/>
+              <a:t>Especificar </a:t>
+            </a:r>
+            <a:r>
+              <a:rPr lang="pt-BR" i="1" u="sng" dirty="0" smtClean="0"/>
+              <a:t>quem</a:t>
+            </a:r>
+            <a:r>
+              <a:rPr lang="pt-BR" i="1" dirty="0" smtClean="0"/>
+              <a:t> executou certas ações ou gerou certos objetos</a:t>
+            </a:r>
+          </a:p>
+          <a:p>
+            <a:pPr lvl="1"/>
+            <a:endParaRPr lang="en-US" dirty="0" smtClean="0"/>
+          </a:p>
+          <a:p>
+            <a:pPr lvl="1"/>
+            <a:r>
+              <a:rPr lang="pt-BR" b="1" dirty="0" smtClean="0"/>
+              <a:t>Centralizada em Objetos</a:t>
+            </a:r>
+            <a:r>
+              <a:rPr lang="pt-BR" dirty="0" smtClean="0"/>
+              <a:t>:</a:t>
+            </a:r>
+            <a:r>
+              <a:rPr lang="pt-BR" i="1" dirty="0" smtClean="0"/>
+              <a:t> Especificar </a:t>
+            </a:r>
+            <a:r>
+              <a:rPr lang="pt-BR" i="1" u="sng" dirty="0" smtClean="0"/>
+              <a:t>quais</a:t>
+            </a:r>
+            <a:r>
+              <a:rPr lang="pt-BR" i="1" dirty="0" smtClean="0"/>
+              <a:t> são as partes que compõem um objeto</a:t>
+            </a:r>
+          </a:p>
+          <a:p>
+            <a:pPr marL="457200" marR="0" lvl="1" indent="0" algn="l" defTabSz="914400" rtl="0" eaLnBrk="1" fontAlgn="auto" latinLnBrk="0" hangingPunct="1">
+              <a:lnSpc>
+                <a:spcPct val="100000"/>
+              </a:lnSpc>
+              <a:spcBef>
+                <a:spcPts val="0"/>
+              </a:spcBef>
+              <a:spcAft>
+                <a:spcPts val="0"/>
+              </a:spcAft>
+              <a:buClrTx/>
+              <a:buSzTx/>
+              <a:buFontTx/>
+              <a:buNone/>
+              <a:tabLst/>
+              <a:defRPr/>
+            </a:pPr>
+            <a:r>
+              <a:rPr lang="pt-BR" i="1" dirty="0" smtClean="0"/>
+              <a:t>Especificar as </a:t>
+            </a:r>
+            <a:r>
+              <a:rPr lang="pt-BR" b="1" i="1" dirty="0" smtClean="0"/>
+              <a:t>origens</a:t>
+            </a:r>
+            <a:r>
+              <a:rPr lang="pt-BR" i="1" dirty="0" smtClean="0"/>
+              <a:t> dos objetos</a:t>
+            </a:r>
+          </a:p>
+          <a:p>
+            <a:pPr lvl="1"/>
+            <a:endParaRPr lang="en-US" dirty="0" smtClean="0"/>
+          </a:p>
+          <a:p>
+            <a:pPr lvl="1"/>
+            <a:r>
+              <a:rPr lang="pt-BR" b="1" dirty="0" smtClean="0"/>
+              <a:t>Centralizada em Processos</a:t>
+            </a:r>
+            <a:r>
+              <a:rPr lang="pt-BR" dirty="0" smtClean="0"/>
+              <a:t>:</a:t>
+            </a:r>
+            <a:r>
+              <a:rPr lang="pt-BR" i="1" dirty="0" smtClean="0"/>
+              <a:t> Especificar </a:t>
+            </a:r>
+            <a:r>
+              <a:rPr lang="pt-BR" i="1" u="sng" dirty="0" smtClean="0"/>
+              <a:t>como</a:t>
+            </a:r>
+            <a:r>
+              <a:rPr lang="pt-BR" i="1" dirty="0" smtClean="0"/>
+              <a:t> foram geradas as informações em questão.</a:t>
+            </a:r>
+            <a:endParaRPr lang="en-US" i="1" dirty="0" smtClean="0"/>
+          </a:p>
+          <a:p>
+            <a:endParaRPr lang="en-US" smtClean="0"/>
+          </a:p>
+          <a:p>
+            <a:endParaRPr lang="en-US" smtClean="0"/>
+          </a:p>
+          <a:p>
+            <a:r>
+              <a:rPr lang="en-US" sz="1200" b="0" i="0" kern="1200" smtClean="0">
+                <a:solidFill>
+                  <a:schemeClr val="tx1"/>
+                </a:solidFill>
+                <a:latin typeface="+mn-lt"/>
+                <a:ea typeface="+mn-ea"/>
+                <a:cs typeface="+mn-cs"/>
+              </a:rPr>
+              <a:t>One perspective might focus on </a:t>
+            </a:r>
+            <a:r>
+              <a:rPr lang="en-US" sz="1200" b="0" i="1" kern="1200" smtClean="0">
+                <a:solidFill>
+                  <a:schemeClr val="tx1"/>
+                </a:solidFill>
+                <a:latin typeface="+mn-lt"/>
+                <a:ea typeface="+mn-ea"/>
+                <a:cs typeface="+mn-cs"/>
+              </a:rPr>
+              <a:t>agent-centered provenance</a:t>
+            </a:r>
+            <a:r>
+              <a:rPr lang="en-US" sz="1200" b="0" i="0" kern="1200" smtClean="0">
+                <a:solidFill>
+                  <a:schemeClr val="tx1"/>
+                </a:solidFill>
+                <a:latin typeface="+mn-lt"/>
+                <a:ea typeface="+mn-ea"/>
+                <a:cs typeface="+mn-cs"/>
+              </a:rPr>
+              <a:t>, that is, what people or organizations were involved in generating or manipulating the information in question. For example, in the provenance of a picture in a news article we might capture the photographer who took it, the person that edited it, and the newspaper that published it.</a:t>
+            </a:r>
+          </a:p>
+          <a:p>
+            <a:endParaRPr lang="en-US" sz="1200" b="0" i="0" kern="1200" smtClean="0">
+              <a:solidFill>
+                <a:schemeClr val="tx1"/>
+              </a:solidFill>
+              <a:latin typeface="+mn-lt"/>
+              <a:ea typeface="+mn-ea"/>
+              <a:cs typeface="+mn-cs"/>
+            </a:endParaRPr>
+          </a:p>
+          <a:p>
+            <a:r>
+              <a:rPr lang="en-US" sz="1200" b="0" i="0" kern="1200" smtClean="0">
+                <a:solidFill>
+                  <a:schemeClr val="tx1"/>
+                </a:solidFill>
+                <a:latin typeface="+mn-lt"/>
+                <a:ea typeface="+mn-ea"/>
+                <a:cs typeface="+mn-cs"/>
+              </a:rPr>
+              <a:t>A second perspective might focus on </a:t>
+            </a:r>
+            <a:r>
+              <a:rPr lang="en-US" sz="1200" b="0" i="1" kern="1200" smtClean="0">
+                <a:solidFill>
+                  <a:schemeClr val="tx1"/>
+                </a:solidFill>
+                <a:latin typeface="+mn-lt"/>
+                <a:ea typeface="+mn-ea"/>
+                <a:cs typeface="+mn-cs"/>
+              </a:rPr>
+              <a:t>object-centered provenance</a:t>
+            </a:r>
+            <a:r>
+              <a:rPr lang="en-US" sz="1200" b="0" i="0" kern="1200" smtClean="0">
+                <a:solidFill>
+                  <a:schemeClr val="tx1"/>
+                </a:solidFill>
+                <a:latin typeface="+mn-lt"/>
+                <a:ea typeface="+mn-ea"/>
+                <a:cs typeface="+mn-cs"/>
+              </a:rPr>
+              <a:t>, by tracing the origins of portions of a document to other documents. An example is having a web page that was assembled from content from a news article, quotes of interviews with experts, and a chart that plots data from a government agency.</a:t>
+            </a:r>
+          </a:p>
+          <a:p>
+            <a:endParaRPr lang="en-US" sz="1200" b="0" i="0" kern="1200" smtClean="0">
+              <a:solidFill>
+                <a:schemeClr val="tx1"/>
+              </a:solidFill>
+              <a:latin typeface="+mn-lt"/>
+              <a:ea typeface="+mn-ea"/>
+              <a:cs typeface="+mn-cs"/>
+            </a:endParaRPr>
+          </a:p>
+          <a:p>
+            <a:r>
+              <a:rPr lang="en-US" sz="1200" b="0" i="0" kern="1200" smtClean="0">
+                <a:solidFill>
+                  <a:schemeClr val="tx1"/>
+                </a:solidFill>
+                <a:latin typeface="+mn-lt"/>
+                <a:ea typeface="+mn-ea"/>
+                <a:cs typeface="+mn-cs"/>
+              </a:rPr>
+              <a:t>A third perspective one might take is on </a:t>
+            </a:r>
+            <a:r>
+              <a:rPr lang="en-US" sz="1200" b="0" i="1" kern="1200" smtClean="0">
+                <a:solidFill>
+                  <a:schemeClr val="tx1"/>
+                </a:solidFill>
+                <a:latin typeface="+mn-lt"/>
+                <a:ea typeface="+mn-ea"/>
+                <a:cs typeface="+mn-cs"/>
+              </a:rPr>
+              <a:t>process-centered provenance</a:t>
+            </a:r>
+            <a:r>
+              <a:rPr lang="en-US" sz="1200" b="0" i="0" kern="1200" smtClean="0">
+                <a:solidFill>
+                  <a:schemeClr val="tx1"/>
+                </a:solidFill>
+                <a:latin typeface="+mn-lt"/>
+                <a:ea typeface="+mn-ea"/>
+                <a:cs typeface="+mn-cs"/>
+              </a:rPr>
+              <a:t>, capturing the actions and steps taken to generate the information in question. For example, a chart may have been generated by invoking a service to retrieve data from a database, then extracting certain statistics from the data using some statistics package, and finally processing these results with a graphing tool.</a:t>
+            </a:r>
+          </a:p>
+          <a:p>
             <a:endParaRPr lang="en-US" dirty="0"/>
           </a:p>
         </p:txBody>
@@ -3819,68 +4933,135 @@
           </a:bodyPr>
           <a:lstStyle/>
           <a:p>
-            <a:r>
-              <a:rPr lang="pt-BR" dirty="0" smtClean="0"/>
-              <a:t>Esse grafo é caracterizado por três tipos de vértices, descritos a seguir.</a:t>
-            </a:r>
-          </a:p>
-          <a:p>
+            <a:pPr lvl="1"/>
+            <a:r>
+              <a:rPr lang="pt-BR" b="1" i="1" dirty="0" smtClean="0"/>
+              <a:t>Artefato (Círculo - A)</a:t>
+            </a:r>
+            <a:r>
+              <a:rPr lang="pt-BR" dirty="0" smtClean="0"/>
+              <a:t>: </a:t>
+            </a:r>
+            <a:r>
+              <a:rPr lang="pt-BR" i="1" dirty="0" smtClean="0"/>
+              <a:t>Entidades imutáveis que podem representar um objeto físico ou uma representação digital de um sistema de computador.</a:t>
+            </a:r>
+          </a:p>
+          <a:p>
+            <a:pPr lvl="1"/>
+            <a:endParaRPr lang="en-US" i="1" dirty="0" smtClean="0"/>
+          </a:p>
+          <a:p>
+            <a:pPr lvl="1"/>
+            <a:r>
+              <a:rPr lang="pt-BR" b="1" i="1" dirty="0" smtClean="0"/>
+              <a:t>Processo (Retângulo - P)</a:t>
+            </a:r>
+            <a:r>
+              <a:rPr lang="pt-BR" dirty="0" smtClean="0"/>
+              <a:t>: </a:t>
+            </a:r>
+            <a:r>
+              <a:rPr lang="pt-BR" i="1" dirty="0" smtClean="0"/>
+              <a:t>Ação ou conjunto de ações realizadas ou causadas por artefatos que irão resultar em novos artefatos.</a:t>
+            </a:r>
+          </a:p>
+          <a:p>
+            <a:pPr lvl="1"/>
+            <a:endParaRPr lang="en-US" i="1" dirty="0" smtClean="0"/>
+          </a:p>
+          <a:p>
+            <a:pPr lvl="1"/>
+            <a:r>
+              <a:rPr lang="pt-BR" b="1" i="1" dirty="0" smtClean="0"/>
+              <a:t>Agentes (Octógono - </a:t>
+            </a:r>
+            <a:r>
+              <a:rPr lang="pt-BR" b="1" i="1" dirty="0" err="1" smtClean="0"/>
+              <a:t>Ag</a:t>
+            </a:r>
+            <a:r>
+              <a:rPr lang="pt-BR" b="1" i="1" dirty="0" smtClean="0"/>
+              <a:t>)</a:t>
+            </a:r>
+            <a:r>
+              <a:rPr lang="pt-BR" dirty="0" smtClean="0"/>
+              <a:t>: </a:t>
+            </a:r>
+            <a:r>
+              <a:rPr lang="pt-BR" i="1" dirty="0" smtClean="0"/>
+              <a:t>Entidade contextual que age como catalisador de um processo, possibilitando, facilitando, controlando ou afetando sua execução.</a:t>
+            </a:r>
+          </a:p>
+          <a:p>
+            <a:pPr marL="0" marR="0" indent="0" algn="l" defTabSz="914400" rtl="0" eaLnBrk="1" fontAlgn="auto" latinLnBrk="0" hangingPunct="1">
+              <a:lnSpc>
+                <a:spcPct val="100000"/>
+              </a:lnSpc>
+              <a:spcBef>
+                <a:spcPts val="0"/>
+              </a:spcBef>
+              <a:spcAft>
+                <a:spcPts val="0"/>
+              </a:spcAft>
+              <a:buClrTx/>
+              <a:buSzTx/>
+              <a:buFontTx/>
+              <a:buNone/>
+              <a:tabLst/>
+              <a:defRPr/>
+            </a:pPr>
             <a:endParaRPr lang="pt-BR" dirty="0" smtClean="0"/>
           </a:p>
           <a:p>
-            <a:r>
-              <a:rPr lang="pt-BR" dirty="0" smtClean="0"/>
-              <a:t>Atividades: Assim, </a:t>
-            </a:r>
-            <a:r>
-              <a:rPr lang="pt-BR" i="1" dirty="0" smtClean="0"/>
-              <a:t>atividades</a:t>
-            </a:r>
-            <a:r>
-              <a:rPr lang="pt-BR" dirty="0" smtClean="0"/>
-              <a:t> podem consumir, processar, modificar, realocar, ou gerar </a:t>
-            </a:r>
-            <a:r>
-              <a:rPr lang="pt-BR" i="1" dirty="0" smtClean="0"/>
-              <a:t>entidades</a:t>
-            </a:r>
-            <a:r>
-              <a:rPr lang="pt-BR" dirty="0" smtClean="0"/>
-              <a:t>. Atividades de processamento de informações podem, por exemplo, incluir, mover, copiar ou duplicar uma </a:t>
-            </a:r>
-            <a:r>
-              <a:rPr lang="pt-BR" i="1" dirty="0" smtClean="0"/>
-              <a:t>entidade</a:t>
-            </a:r>
-            <a:r>
-              <a:rPr lang="pt-BR" dirty="0" smtClean="0"/>
-              <a:t> digital.</a:t>
-            </a:r>
-          </a:p>
-          <a:p>
+            <a:pPr marL="0" marR="0" indent="0" algn="l" defTabSz="914400" rtl="0" eaLnBrk="1" fontAlgn="auto" latinLnBrk="0" hangingPunct="1">
+              <a:lnSpc>
+                <a:spcPct val="100000"/>
+              </a:lnSpc>
+              <a:spcBef>
+                <a:spcPts val="0"/>
+              </a:spcBef>
+              <a:spcAft>
+                <a:spcPts val="0"/>
+              </a:spcAft>
+              <a:buClrTx/>
+              <a:buSzTx/>
+              <a:buFontTx/>
+              <a:buNone/>
+              <a:tabLst/>
+              <a:defRPr/>
+            </a:pPr>
             <a:endParaRPr lang="pt-BR" dirty="0" smtClean="0"/>
           </a:p>
           <a:p>
-            <a:r>
-              <a:rPr lang="pt-BR" dirty="0" smtClean="0"/>
-              <a:t>Agente: Um </a:t>
-            </a:r>
-            <a:r>
-              <a:rPr lang="pt-BR" i="1" dirty="0" smtClean="0"/>
-              <a:t>agente</a:t>
-            </a:r>
-            <a:r>
-              <a:rPr lang="pt-BR" dirty="0" smtClean="0"/>
-              <a:t> pode ser, por exemplo, uma pessoa, uma organização ou até um </a:t>
-            </a:r>
-            <a:r>
-              <a:rPr lang="pt-BR" i="1" dirty="0" smtClean="0"/>
-              <a:t>software</a:t>
-            </a:r>
-            <a:r>
-              <a:rPr lang="pt-BR" dirty="0" smtClean="0"/>
-              <a:t> que gerencia certa execução.</a:t>
-            </a:r>
+            <a:pPr marL="0" marR="0" indent="0" algn="l" defTabSz="914400" rtl="0" eaLnBrk="1" fontAlgn="auto" latinLnBrk="0" hangingPunct="1">
+              <a:lnSpc>
+                <a:spcPct val="100000"/>
+              </a:lnSpc>
+              <a:spcBef>
+                <a:spcPts val="0"/>
+              </a:spcBef>
+              <a:spcAft>
+                <a:spcPts val="0"/>
+              </a:spcAft>
+              <a:buClrTx/>
+              <a:buSzTx/>
+              <a:buFontTx/>
+              <a:buNone/>
+              <a:tabLst/>
+              <a:defRPr/>
+            </a:pPr>
+            <a:r>
+              <a:rPr lang="pt-BR" dirty="0" smtClean="0"/>
+              <a:t>Vale </a:t>
+            </a:r>
+            <a:r>
+              <a:rPr lang="pt-BR" dirty="0" smtClean="0"/>
+              <a:t>lembrar que o OPM visa sempre representar os acontecimentos passados, podendo até registrar um evento que ainda não tenha sido finalizado, mas nunca representando um evento do futuro. Dessa forma, seu foco está na proveniência retrospectiva em detrimento da prospectiva </a:t>
+            </a:r>
+            <a:endParaRPr lang="en-US" dirty="0" smtClean="0"/>
+          </a:p>
+          <a:p>
             <a:endParaRPr lang="en-US" dirty="0"/>
           </a:p>
         </p:txBody>
@@ -7156,11 +8337,7 @@
             </a:br>
             <a:r>
               <a:rPr lang="pt-BR" b="1" dirty="0" smtClean="0"/>
-              <a:t>OPM e </a:t>
-            </a:r>
-            <a:r>
-              <a:rPr lang="pt-BR" b="1" dirty="0" smtClean="0"/>
-              <a:t>PROV</a:t>
+              <a:t>OPM e PROV</a:t>
             </a:r>
             <a:endParaRPr lang="en-US" dirty="0"/>
           </a:p>
@@ -7259,11 +8436,7 @@
             </a:r>
             <a:r>
               <a:rPr lang="pt-BR" sz="2200" i="1" dirty="0" smtClean="0"/>
-              <a:t>PESC/COPPE – Universidade Federal do Rio de Janeiro (UFRJ</a:t>
-            </a:r>
-            <a:r>
-              <a:rPr lang="pt-BR" sz="2200" i="1" dirty="0" smtClean="0"/>
-              <a:t>)</a:t>
+              <a:t>PESC/COPPE – Universidade Federal do Rio de Janeiro (UFRJ)</a:t>
             </a:r>
             <a:endParaRPr lang="en-US" sz="2200" i="1" dirty="0" smtClean="0"/>
           </a:p>
@@ -7274,6 +8447,13 @@
   <p:clrMapOvr>
     <a:masterClrMapping/>
   </p:clrMapOvr>
+  <p:timing>
+    <p:tnLst>
+      <p:par>
+        <p:cTn id="1" dur="indefinite" restart="never" nodeType="tmRoot"/>
+      </p:par>
+    </p:tnLst>
+  </p:timing>
 </p:sld>
 </file>
 
@@ -7313,7 +8493,7 @@
               <a:rPr lang="pt-BR" dirty="0" smtClean="0"/>
               <a:t>Conceitos Básicos</a:t>
             </a:r>
-            <a:endParaRPr lang="pt-BR" dirty="0"/>
+            <a:endParaRPr lang="en-US" dirty="0"/>
           </a:p>
         </p:txBody>
       </p:sp>
@@ -7330,73 +8510,42 @@
         <p:spPr/>
         <p:txBody>
           <a:bodyPr>
-            <a:normAutofit fontScale="77500" lnSpcReduction="20000"/>
+            <a:normAutofit lnSpcReduction="10000"/>
           </a:bodyPr>
           <a:lstStyle/>
           <a:p>
             <a:r>
               <a:rPr lang="pt-BR" dirty="0" smtClean="0"/>
-              <a:t>Utiliza </a:t>
-            </a:r>
-            <a:r>
-              <a:rPr lang="pt-BR" dirty="0" smtClean="0"/>
-              <a:t>um grafo para representar informações de proveniência</a:t>
-            </a:r>
-            <a:r>
-              <a:rPr lang="pt-BR" dirty="0" smtClean="0"/>
-              <a:t>. </a:t>
-            </a:r>
-          </a:p>
-          <a:p>
+              <a:t>Representação </a:t>
+            </a:r>
+            <a:r>
+              <a:rPr lang="pt-BR" dirty="0" smtClean="0"/>
+              <a:t>em grafo</a:t>
+            </a:r>
             <a:endParaRPr lang="pt-BR" dirty="0" smtClean="0"/>
           </a:p>
           <a:p>
-            <a:r>
-              <a:rPr lang="pt-BR" dirty="0" smtClean="0"/>
-              <a:t>Entidades</a:t>
-            </a:r>
-            <a:r>
-              <a:rPr lang="en-US" dirty="0" smtClean="0"/>
-              <a:t>:</a:t>
-            </a:r>
-          </a:p>
-          <a:p>
-            <a:endParaRPr lang="en-US" dirty="0" smtClean="0"/>
+            <a:pPr lvl="1">
+              <a:buNone/>
+            </a:pPr>
+            <a:endParaRPr lang="pt-BR" dirty="0" smtClean="0"/>
+          </a:p>
+          <a:p>
+            <a:r>
+              <a:rPr lang="pt-BR" dirty="0" smtClean="0"/>
+              <a:t>Entidades:</a:t>
+            </a:r>
+          </a:p>
+          <a:p>
+            <a:endParaRPr lang="pt-BR" dirty="0" smtClean="0"/>
           </a:p>
           <a:p>
             <a:pPr lvl="1"/>
             <a:r>
               <a:rPr lang="pt-BR" b="1" i="1" dirty="0" smtClean="0"/>
-              <a:t>Entidade </a:t>
-            </a:r>
-            <a:r>
-              <a:rPr lang="pt-BR" b="1" i="1" dirty="0" smtClean="0"/>
-              <a:t>(Circulo - E):</a:t>
-            </a:r>
-            <a:r>
-              <a:rPr lang="pt-BR" dirty="0" smtClean="0"/>
-              <a:t> </a:t>
-            </a:r>
-            <a:r>
-              <a:rPr lang="pt-BR" i="1" dirty="0" smtClean="0"/>
-              <a:t>Algo </a:t>
-            </a:r>
-            <a:r>
-              <a:rPr lang="pt-BR" i="1" dirty="0" smtClean="0"/>
-              <a:t>físico, digital, conceitual ou outro tipo de coisa com </a:t>
-            </a:r>
-            <a:r>
-              <a:rPr lang="pt-BR" i="1" dirty="0" smtClean="0"/>
-              <a:t>aspectos </a:t>
-            </a:r>
-            <a:r>
-              <a:rPr lang="pt-BR" i="1" dirty="0" smtClean="0"/>
-              <a:t>fixos, podendo as entidades serem reais ou imaginárias</a:t>
-            </a:r>
-            <a:r>
-              <a:rPr lang="pt-BR" i="1" dirty="0" smtClean="0"/>
-              <a:t>.</a:t>
-            </a:r>
+              <a:t>Entidade</a:t>
+            </a:r>
+            <a:endParaRPr lang="pt-BR" i="1" dirty="0" smtClean="0"/>
           </a:p>
           <a:p>
             <a:pPr lvl="1"/>
@@ -7406,23 +8555,7 @@
             <a:pPr lvl="1"/>
             <a:r>
               <a:rPr lang="pt-BR" b="1" i="1" dirty="0" smtClean="0"/>
-              <a:t>Atividade </a:t>
-            </a:r>
-            <a:r>
-              <a:rPr lang="pt-BR" b="1" i="1" dirty="0" smtClean="0"/>
-              <a:t>(Retângulo - A):</a:t>
-            </a:r>
-            <a:r>
-              <a:rPr lang="pt-BR" dirty="0" smtClean="0"/>
-              <a:t> </a:t>
-            </a:r>
-            <a:r>
-              <a:rPr lang="pt-BR" i="1" dirty="0" smtClean="0"/>
-              <a:t>Algo </a:t>
-            </a:r>
-            <a:r>
-              <a:rPr lang="pt-BR" i="1" dirty="0" smtClean="0"/>
-              <a:t>que ocorre durante um período de tempo, atuando sobre/com entidades. </a:t>
+              <a:t>Atividade</a:t>
             </a:r>
             <a:endParaRPr lang="pt-BR" i="1" dirty="0" smtClean="0"/>
           </a:p>
@@ -7434,29 +8567,9 @@
             <a:pPr lvl="1"/>
             <a:r>
               <a:rPr lang="pt-BR" b="1" i="1" dirty="0" smtClean="0"/>
-              <a:t>Agentes </a:t>
-            </a:r>
-            <a:r>
-              <a:rPr lang="pt-BR" b="1" i="1" dirty="0" smtClean="0"/>
-              <a:t>(Losango- </a:t>
-            </a:r>
-            <a:r>
-              <a:rPr lang="pt-BR" b="1" i="1" dirty="0" err="1" smtClean="0"/>
-              <a:t>Ag</a:t>
-            </a:r>
-            <a:r>
-              <a:rPr lang="pt-BR" b="1" i="1" dirty="0" smtClean="0"/>
-              <a:t>): </a:t>
-            </a:r>
-            <a:r>
-              <a:rPr lang="pt-BR" i="1" dirty="0" smtClean="0"/>
-              <a:t>Um agente é algo que possui certa responsabilidade por uma atividade, pela existência de uma entidade ou pelas atividades de outro agente</a:t>
-            </a:r>
-            <a:r>
-              <a:rPr lang="pt-BR" i="1" dirty="0" smtClean="0"/>
-              <a:t>.</a:t>
-            </a:r>
-            <a:endParaRPr lang="en-US" i="1" dirty="0" smtClean="0"/>
+              <a:t>Agentes</a:t>
+            </a:r>
+            <a:endParaRPr lang="pt-BR" i="1" dirty="0" smtClean="0"/>
           </a:p>
           <a:p>
             <a:endParaRPr lang="en-US" dirty="0"/>
@@ -7502,10 +8615,10 @@
           <a:lstStyle/>
           <a:p>
             <a:r>
-              <a:rPr lang="pt-BR" smtClean="0"/>
-              <a:t>Título</a:t>
-            </a:r>
-            <a:endParaRPr lang="pt-BR"/>
+              <a:rPr lang="pt-BR" b="1" dirty="0" smtClean="0"/>
+              <a:t>Comparação entre os Modelos de Proveniência</a:t>
+            </a:r>
+            <a:endParaRPr lang="pt-BR" dirty="0"/>
           </a:p>
         </p:txBody>
       </p:sp>
@@ -7533,11 +8646,96 @@
           </a:p>
         </p:txBody>
       </p:sp>
+      <p:pic>
+        <p:nvPicPr>
+          <p:cNvPr id="10" name="Picture 7" descr="http://t2.gstatic.com/images?q=tbn:ANd9GcQj1E5Q3ButAOARcLNDMKZpYArPcE-hsErfMOTvqOCbU9vM99jiiw"/>
+          <p:cNvPicPr>
+            <a:picLocks noChangeAspect="1" noChangeArrowheads="1"/>
+          </p:cNvPicPr>
+          <p:nvPr/>
+        </p:nvPicPr>
+        <p:blipFill>
+          <a:blip r:embed="rId3" cstate="print"/>
+          <a:srcRect/>
+          <a:stretch>
+            <a:fillRect/>
+          </a:stretch>
+        </p:blipFill>
+        <p:spPr bwMode="auto">
+          <a:xfrm>
+            <a:off x="3276600" y="3352800"/>
+            <a:ext cx="1143000" cy="1143000"/>
+          </a:xfrm>
+          <a:prstGeom prst="rect">
+            <a:avLst/>
+          </a:prstGeom>
+          <a:noFill/>
+        </p:spPr>
+      </p:pic>
+      <p:pic>
+        <p:nvPicPr>
+          <p:cNvPr id="11" name="Picture 9" descr="http://myyearwithoutclothesshopping.com/wp-content/uploads/2013/01/take-action-click-icon.jpg"/>
+          <p:cNvPicPr>
+            <a:picLocks noChangeAspect="1" noChangeArrowheads="1"/>
+          </p:cNvPicPr>
+          <p:nvPr/>
+        </p:nvPicPr>
+        <p:blipFill>
+          <a:blip r:embed="rId4" cstate="print"/>
+          <a:srcRect/>
+          <a:stretch>
+            <a:fillRect/>
+          </a:stretch>
+        </p:blipFill>
+        <p:spPr bwMode="auto">
+          <a:xfrm>
+            <a:off x="3352800" y="4572000"/>
+            <a:ext cx="914400" cy="908576"/>
+          </a:xfrm>
+          <a:prstGeom prst="rect">
+            <a:avLst/>
+          </a:prstGeom>
+          <a:noFill/>
+        </p:spPr>
+      </p:pic>
+      <p:pic>
+        <p:nvPicPr>
+          <p:cNvPr id="12" name="Picture 11" descr="http://t2.gstatic.com/images?q=tbn:ANd9GcS2gsibxgxYWPRR41gl3fLWq5D-LWtdwC1pt3GMbov3x4yeHfPoow"/>
+          <p:cNvPicPr>
+            <a:picLocks noChangeAspect="1" noChangeArrowheads="1"/>
+          </p:cNvPicPr>
+          <p:nvPr/>
+        </p:nvPicPr>
+        <p:blipFill>
+          <a:blip r:embed="rId5" cstate="print"/>
+          <a:srcRect/>
+          <a:stretch>
+            <a:fillRect/>
+          </a:stretch>
+        </p:blipFill>
+        <p:spPr bwMode="auto">
+          <a:xfrm>
+            <a:off x="3429000" y="5562600"/>
+            <a:ext cx="914400" cy="914400"/>
+          </a:xfrm>
+          <a:prstGeom prst="rect">
+            <a:avLst/>
+          </a:prstGeom>
+          <a:noFill/>
+        </p:spPr>
+      </p:pic>
     </p:spTree>
   </p:cSld>
   <p:clrMapOvr>
     <a:masterClrMapping/>
   </p:clrMapOvr>
+  <p:timing>
+    <p:tnLst>
+      <p:par>
+        <p:cTn id="1" dur="indefinite" restart="never" nodeType="tmRoot"/>
+      </p:par>
+    </p:tnLst>
+  </p:timing>
 </p:sld>
 </file>
 
@@ -7620,10 +8818,10 @@
           <a:lstStyle/>
           <a:p>
             <a:r>
-              <a:rPr lang="pt-BR" smtClean="0"/>
-              <a:t>Título</a:t>
-            </a:r>
-            <a:endParaRPr lang="pt-BR"/>
+              <a:rPr lang="pt-BR" b="1" dirty="0" smtClean="0"/>
+              <a:t>Comparação entre os Modelos de Proveniência</a:t>
+            </a:r>
+            <a:endParaRPr lang="pt-BR" dirty="0"/>
           </a:p>
         </p:txBody>
       </p:sp>
@@ -7686,6 +8884,13 @@
   <p:clrMapOvr>
     <a:masterClrMapping/>
   </p:clrMapOvr>
+  <p:timing>
+    <p:tnLst>
+      <p:par>
+        <p:cTn id="1" dur="indefinite" restart="never" nodeType="tmRoot"/>
+      </p:par>
+    </p:tnLst>
+  </p:timing>
 </p:sld>
 </file>
 
@@ -7768,10 +8973,18 @@
           <a:lstStyle/>
           <a:p>
             <a:r>
-              <a:rPr lang="pt-BR" smtClean="0"/>
-              <a:t>Título</a:t>
-            </a:r>
-            <a:endParaRPr lang="pt-BR"/>
+              <a:rPr lang="pt-BR" dirty="0" err="1" smtClean="0"/>
+              <a:t>Tít</a:t>
+            </a:r>
+            <a:r>
+              <a:rPr lang="pt-BR" b="1" dirty="0" smtClean="0"/>
+              <a:t> Comparação entre os Modelos de Proveniência </a:t>
+            </a:r>
+            <a:r>
+              <a:rPr lang="pt-BR" dirty="0" err="1" smtClean="0"/>
+              <a:t>ulo</a:t>
+            </a:r>
+            <a:endParaRPr lang="pt-BR" dirty="0"/>
           </a:p>
         </p:txBody>
       </p:sp>
@@ -7801,7 +9014,7 @@
       </p:sp>
       <p:pic>
         <p:nvPicPr>
-          <p:cNvPr id="1028" name="Picture 4"/>
+          <p:cNvPr id="2052" name="Picture 4"/>
           <p:cNvPicPr>
             <a:picLocks noChangeAspect="1" noChangeArrowheads="1"/>
           </p:cNvPicPr>
@@ -7816,8 +9029,8 @@
         </p:blipFill>
         <p:spPr bwMode="auto">
           <a:xfrm>
-            <a:off x="1349534" y="2143124"/>
-            <a:ext cx="6444933" cy="3648075"/>
+            <a:off x="1347788" y="1914525"/>
+            <a:ext cx="6448425" cy="4181475"/>
           </a:xfrm>
           <a:prstGeom prst="rect">
             <a:avLst/>
@@ -7836,6 +9049,13 @@
   <p:clrMapOvr>
     <a:masterClrMapping/>
   </p:clrMapOvr>
+  <p:timing>
+    <p:tnLst>
+      <p:par>
+        <p:cTn id="1" dur="indefinite" restart="never" nodeType="tmRoot"/>
+      </p:par>
+    </p:tnLst>
+  </p:timing>
 </p:sld>
 </file>
 
@@ -7918,10 +9138,10 @@
           <a:lstStyle/>
           <a:p>
             <a:r>
-              <a:rPr lang="pt-BR" smtClean="0"/>
-              <a:t>Título</a:t>
-            </a:r>
-            <a:endParaRPr lang="pt-BR"/>
+              <a:rPr lang="pt-BR" b="1" dirty="0" smtClean="0"/>
+              <a:t>Comparação entre os Modelos de Proveniência</a:t>
+            </a:r>
+            <a:endParaRPr lang="pt-BR" dirty="0"/>
           </a:p>
         </p:txBody>
       </p:sp>
@@ -9530,6 +10750,13 @@
   <p:clrMapOvr>
     <a:masterClrMapping/>
   </p:clrMapOvr>
+  <p:timing>
+    <p:tnLst>
+      <p:par>
+        <p:cTn id="1" dur="indefinite" restart="never" nodeType="tmRoot"/>
+      </p:par>
+    </p:tnLst>
+  </p:timing>
 </p:sld>
 </file>
 
@@ -9586,40 +10813,24 @@
         <p:spPr/>
         <p:txBody>
           <a:bodyPr>
-            <a:normAutofit fontScale="77500" lnSpcReduction="20000"/>
+            <a:normAutofit fontScale="92500"/>
           </a:bodyPr>
           <a:lstStyle/>
           <a:p>
             <a:r>
               <a:rPr lang="pt-BR" dirty="0" smtClean="0"/>
-              <a:t>Estudo </a:t>
-            </a:r>
-            <a:r>
-              <a:rPr lang="pt-BR" dirty="0" smtClean="0"/>
-              <a:t>comparativo entre </a:t>
-            </a:r>
-            <a:r>
-              <a:rPr lang="pt-BR" dirty="0" smtClean="0"/>
-              <a:t>modelos </a:t>
-            </a:r>
-            <a:r>
-              <a:rPr lang="pt-BR" dirty="0" smtClean="0"/>
-              <a:t>de </a:t>
-            </a:r>
-            <a:r>
-              <a:rPr lang="pt-BR" dirty="0" smtClean="0"/>
-              <a:t>proveniência</a:t>
+              <a:t>Estudo comparativo entre modelos de proveniência</a:t>
             </a:r>
           </a:p>
           <a:p>
             <a:pPr lvl="1"/>
             <a:r>
               <a:rPr lang="pt-BR" dirty="0" smtClean="0"/>
-              <a:t>OPM </a:t>
-            </a:r>
-            <a:r>
-              <a:rPr lang="pt-BR" dirty="0" smtClean="0"/>
-              <a:t>e PROV. </a:t>
+              <a:t>OPM e </a:t>
+            </a:r>
+            <a:r>
+              <a:rPr lang="pt-BR" dirty="0" smtClean="0"/>
+              <a:t>PROV</a:t>
             </a:r>
             <a:endParaRPr lang="pt-BR" dirty="0" smtClean="0"/>
           </a:p>
@@ -9637,59 +10848,33 @@
             <a:pPr lvl="1"/>
             <a:r>
               <a:rPr lang="pt-BR" dirty="0" smtClean="0"/>
-              <a:t>Voltado para armazenar </a:t>
-            </a:r>
-            <a:r>
-              <a:rPr lang="pt-BR" dirty="0" smtClean="0"/>
-              <a:t>dados de proveniência de maneira mais </a:t>
-            </a:r>
-            <a:r>
-              <a:rPr lang="pt-BR" dirty="0" smtClean="0"/>
-              <a:t>detalhada</a:t>
-            </a:r>
+              <a:t>Armazenar </a:t>
+            </a:r>
+            <a:r>
+              <a:rPr lang="pt-BR" dirty="0" smtClean="0"/>
+              <a:t>dados de proveniência </a:t>
+            </a:r>
+            <a:r>
+              <a:rPr lang="pt-BR" dirty="0" smtClean="0"/>
+              <a:t>mais detalhadamente</a:t>
+            </a:r>
+            <a:endParaRPr lang="pt-BR" dirty="0" smtClean="0"/>
           </a:p>
           <a:p>
             <a:pPr lvl="1"/>
             <a:r>
               <a:rPr lang="pt-BR" dirty="0" smtClean="0"/>
-              <a:t>foca </a:t>
-            </a:r>
-            <a:r>
-              <a:rPr lang="pt-BR" dirty="0" smtClean="0"/>
-              <a:t>nas responsabilidades dos </a:t>
+              <a:t>Responsabilidades </a:t>
+            </a:r>
+            <a:r>
+              <a:rPr lang="pt-BR" dirty="0" smtClean="0"/>
+              <a:t>dos </a:t>
             </a:r>
             <a:r>
               <a:rPr lang="pt-BR" i="1" dirty="0" smtClean="0"/>
               <a:t>agentes</a:t>
             </a:r>
-            <a:r>
-              <a:rPr lang="pt-BR" dirty="0" smtClean="0"/>
-              <a:t> nos itens de proveniência. </a:t>
-            </a:r>
             <a:endParaRPr lang="pt-BR" dirty="0" smtClean="0"/>
-          </a:p>
-          <a:p>
-            <a:pPr lvl="1"/>
-            <a:r>
-              <a:rPr lang="pt-BR" dirty="0" smtClean="0"/>
-              <a:t>PROV </a:t>
-            </a:r>
-            <a:r>
-              <a:rPr lang="pt-BR" dirty="0" smtClean="0"/>
-              <a:t>possui relações específicas para </a:t>
-            </a:r>
-            <a:r>
-              <a:rPr lang="pt-BR" i="1" dirty="0" smtClean="0"/>
-              <a:t>agentes</a:t>
-            </a:r>
-            <a:r>
-              <a:rPr lang="pt-BR" dirty="0" smtClean="0"/>
-              <a:t>, sem equivalências no </a:t>
-            </a:r>
-            <a:r>
-              <a:rPr lang="pt-BR" dirty="0" smtClean="0"/>
-              <a:t>OPM</a:t>
-            </a:r>
           </a:p>
           <a:p>
             <a:pPr lvl="1"/>
@@ -9705,36 +10890,8 @@
             <a:pPr lvl="1"/>
             <a:r>
               <a:rPr lang="pt-BR" dirty="0" smtClean="0"/>
-              <a:t>mais </a:t>
-            </a:r>
-            <a:r>
-              <a:rPr lang="pt-BR" dirty="0" smtClean="0"/>
-              <a:t>simples </a:t>
-            </a:r>
-            <a:r>
-              <a:rPr lang="pt-BR" dirty="0" smtClean="0"/>
-              <a:t>e mais </a:t>
-            </a:r>
-            <a:r>
-              <a:rPr lang="pt-BR" dirty="0" smtClean="0"/>
-              <a:t>usado </a:t>
-            </a:r>
-            <a:endParaRPr lang="pt-BR" dirty="0" smtClean="0"/>
-          </a:p>
-          <a:p>
-            <a:pPr lvl="2"/>
-            <a:r>
-              <a:rPr lang="pt-BR" dirty="0" smtClean="0"/>
-              <a:t>definido quatro </a:t>
-            </a:r>
-            <a:r>
-              <a:rPr lang="pt-BR" dirty="0" smtClean="0"/>
-              <a:t>anos antes que o PROV. </a:t>
-            </a:r>
-            <a:endParaRPr lang="en-US" dirty="0" smtClean="0"/>
-          </a:p>
-          <a:p>
-            <a:endParaRPr lang="en-US" dirty="0" smtClean="0"/>
+              <a:t>mais simples e mais usado </a:t>
+            </a:r>
           </a:p>
         </p:txBody>
       </p:sp>
@@ -9777,10 +10934,10 @@
           <a:lstStyle/>
           <a:p>
             <a:r>
-              <a:rPr lang="pt-BR" smtClean="0"/>
-              <a:t>Título</a:t>
-            </a:r>
-            <a:endParaRPr lang="pt-BR"/>
+              <a:rPr lang="pt-BR" b="1" dirty="0" smtClean="0"/>
+              <a:t>Comparação entre os Modelos de Proveniência</a:t>
+            </a:r>
+            <a:endParaRPr lang="pt-BR" dirty="0"/>
           </a:p>
         </p:txBody>
       </p:sp>
@@ -9813,6 +10970,13 @@
   <p:clrMapOvr>
     <a:masterClrMapping/>
   </p:clrMapOvr>
+  <p:timing>
+    <p:tnLst>
+      <p:par>
+        <p:cTn id="1" dur="indefinite" restart="never" nodeType="tmRoot"/>
+      </p:par>
+    </p:tnLst>
+  </p:timing>
 </p:sld>
 </file>
 
@@ -9883,11 +11047,20 @@
           <a:p>
             <a:r>
               <a:rPr lang="pt-BR" dirty="0" smtClean="0"/>
-              <a:t>Criar um </a:t>
-            </a:r>
-            <a:r>
-              <a:rPr lang="pt-BR" dirty="0" smtClean="0"/>
-              <a:t>tradutor automático de modelos OPM para PROV representados em XML. </a:t>
+              <a:t>Criar um tradutor automático de </a:t>
+            </a:r>
+            <a:r>
+              <a:rPr lang="pt-BR" dirty="0" smtClean="0"/>
+              <a:t>modelos</a:t>
+            </a:r>
+          </a:p>
+          <a:p>
+            <a:pPr>
+              <a:buNone/>
+            </a:pPr>
+            <a:r>
+              <a:rPr lang="pt-BR" dirty="0" smtClean="0"/>
+              <a:t> </a:t>
             </a:r>
             <a:endParaRPr lang="pt-BR" dirty="0" smtClean="0"/>
           </a:p>
@@ -9899,61 +11072,39 @@
             </a:r>
             <a:r>
               <a:rPr lang="pt-BR" dirty="0" smtClean="0"/>
-              <a:t>sistemas </a:t>
-            </a:r>
-            <a:r>
-              <a:rPr lang="pt-BR" dirty="0" smtClean="0"/>
-              <a:t>OPM que </a:t>
-            </a:r>
-            <a:r>
-              <a:rPr lang="pt-BR" dirty="0" smtClean="0"/>
-              <a:t>queiram migrar para a especificação </a:t>
-            </a:r>
-            <a:r>
-              <a:rPr lang="pt-BR" dirty="0" smtClean="0"/>
-              <a:t>PROV</a:t>
+              <a:t>migração</a:t>
             </a:r>
           </a:p>
           <a:p>
             <a:pPr lvl="1"/>
-            <a:r>
-              <a:rPr lang="pt-BR" dirty="0" smtClean="0"/>
-              <a:t>facilitar </a:t>
-            </a:r>
-            <a:r>
-              <a:rPr lang="pt-BR" dirty="0" smtClean="0"/>
-              <a:t>a comunicação entre </a:t>
-            </a:r>
-            <a:r>
-              <a:rPr lang="pt-BR" dirty="0" smtClean="0"/>
-              <a:t>sistemas OPM e PROV.</a:t>
-            </a:r>
+            <a:endParaRPr lang="pt-BR" dirty="0" smtClean="0"/>
           </a:p>
           <a:p>
             <a:pPr lvl="1"/>
             <a:r>
               <a:rPr lang="pt-BR" dirty="0" smtClean="0"/>
-              <a:t>processo interativo</a:t>
-            </a:r>
-          </a:p>
-          <a:p>
-            <a:pPr lvl="2"/>
-            <a:r>
-              <a:rPr lang="pt-BR" dirty="0" smtClean="0"/>
-              <a:t>permite usuário </a:t>
-            </a:r>
-            <a:r>
-              <a:rPr lang="pt-BR" dirty="0" smtClean="0"/>
-              <a:t>escolher possíveis alternativas de </a:t>
-            </a:r>
-            <a:r>
-              <a:rPr lang="pt-BR" dirty="0" smtClean="0"/>
-              <a:t>tradução</a:t>
-            </a:r>
-            <a:endParaRPr lang="en-US" dirty="0" smtClean="0"/>
-          </a:p>
-          <a:p>
-            <a:endParaRPr lang="en-US" dirty="0"/>
+              <a:t>facilitar a </a:t>
+            </a:r>
+            <a:r>
+              <a:rPr lang="pt-BR" dirty="0" smtClean="0"/>
+              <a:t>comunicação</a:t>
+            </a:r>
+          </a:p>
+          <a:p>
+            <a:pPr lvl="1"/>
+            <a:endParaRPr lang="pt-BR" dirty="0" smtClean="0"/>
+          </a:p>
+          <a:p>
+            <a:pPr lvl="1"/>
+            <a:r>
+              <a:rPr lang="pt-BR" dirty="0" smtClean="0"/>
+              <a:t>processo </a:t>
+            </a:r>
+            <a:r>
+              <a:rPr lang="pt-BR" dirty="0" smtClean="0"/>
+              <a:t>interativo</a:t>
+            </a:r>
+            <a:endParaRPr lang="pt-BR" dirty="0" smtClean="0"/>
           </a:p>
         </p:txBody>
       </p:sp>
@@ -9996,10 +11147,10 @@
           <a:lstStyle/>
           <a:p>
             <a:r>
-              <a:rPr lang="pt-BR" smtClean="0"/>
-              <a:t>Título</a:t>
-            </a:r>
-            <a:endParaRPr lang="pt-BR"/>
+              <a:rPr lang="pt-BR" b="1" dirty="0" smtClean="0"/>
+              <a:t>Comparação entre os Modelos de Proveniência</a:t>
+            </a:r>
+            <a:endParaRPr lang="pt-BR" dirty="0"/>
           </a:p>
         </p:txBody>
       </p:sp>
@@ -10032,6 +11183,13 @@
   <p:clrMapOvr>
     <a:masterClrMapping/>
   </p:clrMapOvr>
+  <p:timing>
+    <p:tnLst>
+      <p:par>
+        <p:cTn id="1" dur="indefinite" restart="never" nodeType="tmRoot"/>
+      </p:par>
+    </p:tnLst>
+  </p:timing>
 </p:sld>
 </file>
 
@@ -10078,11 +11236,7 @@
             </a:br>
             <a:r>
               <a:rPr lang="pt-BR" b="1" dirty="0" smtClean="0"/>
-              <a:t>OPM e </a:t>
-            </a:r>
-            <a:r>
-              <a:rPr lang="pt-BR" b="1" dirty="0" smtClean="0"/>
-              <a:t>PROV</a:t>
+              <a:t>OPM e PROV</a:t>
             </a:r>
             <a:endParaRPr lang="en-US" dirty="0"/>
           </a:p>
@@ -10181,11 +11335,7 @@
             </a:r>
             <a:r>
               <a:rPr lang="pt-BR" sz="2200" i="1" dirty="0" smtClean="0"/>
-              <a:t>PESC/COPPE – Universidade Federal do Rio de Janeiro (UFRJ</a:t>
-            </a:r>
-            <a:r>
-              <a:rPr lang="pt-BR" sz="2200" i="1" dirty="0" smtClean="0"/>
-              <a:t>)</a:t>
+              <a:t>PESC/COPPE – Universidade Federal do Rio de Janeiro (UFRJ)</a:t>
             </a:r>
             <a:endParaRPr lang="en-US" sz="2200" i="1" dirty="0" smtClean="0"/>
           </a:p>
@@ -10196,6 +11346,13 @@
   <p:clrMapOvr>
     <a:masterClrMapping/>
   </p:clrMapOvr>
+  <p:timing>
+    <p:tnLst>
+      <p:par>
+        <p:cTn id="1" dur="indefinite" restart="never" nodeType="tmRoot"/>
+      </p:par>
+    </p:tnLst>
+  </p:timing>
 </p:sld>
 </file>
 
@@ -10278,10 +11435,10 @@
           <a:lstStyle/>
           <a:p>
             <a:r>
-              <a:rPr lang="pt-BR" smtClean="0"/>
-              <a:t>Título</a:t>
-            </a:r>
-            <a:endParaRPr lang="pt-BR"/>
+              <a:rPr lang="pt-BR" b="1" dirty="0" smtClean="0"/>
+              <a:t>Comparação entre os Modelos de Proveniência</a:t>
+            </a:r>
+            <a:endParaRPr lang="pt-BR" dirty="0"/>
           </a:p>
         </p:txBody>
       </p:sp>
@@ -10348,6 +11505,13 @@
   <p:clrMapOvr>
     <a:masterClrMapping/>
   </p:clrMapOvr>
+  <p:timing>
+    <p:tnLst>
+      <p:par>
+        <p:cTn id="1" dur="indefinite" restart="never" nodeType="tmRoot"/>
+      </p:par>
+    </p:tnLst>
+  </p:timing>
 </p:sld>
 </file>
 
@@ -10430,10 +11594,10 @@
           <a:lstStyle/>
           <a:p>
             <a:r>
-              <a:rPr lang="pt-BR" smtClean="0"/>
-              <a:t>Título</a:t>
-            </a:r>
-            <a:endParaRPr lang="pt-BR"/>
+              <a:rPr lang="pt-BR" b="1" dirty="0" smtClean="0"/>
+              <a:t>Comparação entre os Modelos de Proveniência</a:t>
+            </a:r>
+            <a:endParaRPr lang="pt-BR" dirty="0"/>
           </a:p>
         </p:txBody>
       </p:sp>
@@ -10500,6 +11664,13 @@
   <p:clrMapOvr>
     <a:masterClrMapping/>
   </p:clrMapOvr>
+  <p:timing>
+    <p:tnLst>
+      <p:par>
+        <p:cTn id="1" dur="indefinite" restart="never" nodeType="tmRoot"/>
+      </p:par>
+    </p:tnLst>
+  </p:timing>
 </p:sld>
 </file>
 
@@ -10582,10 +11753,10 @@
           <a:lstStyle/>
           <a:p>
             <a:r>
-              <a:rPr lang="pt-BR" smtClean="0"/>
-              <a:t>Título</a:t>
-            </a:r>
-            <a:endParaRPr lang="pt-BR"/>
+              <a:rPr lang="pt-BR" b="1" dirty="0" smtClean="0"/>
+              <a:t>Comparação entre os Modelos de Proveniência</a:t>
+            </a:r>
+            <a:endParaRPr lang="pt-BR" dirty="0"/>
           </a:p>
         </p:txBody>
       </p:sp>
@@ -10708,20 +11879,17 @@
         <p:spPr/>
         <p:txBody>
           <a:bodyPr>
-            <a:normAutofit fontScale="85000" lnSpcReduction="20000"/>
+            <a:normAutofit/>
           </a:bodyPr>
           <a:lstStyle/>
           <a:p>
             <a:r>
               <a:rPr lang="pt-BR" dirty="0" smtClean="0"/>
-              <a:t>Produção em grande escala de objetos digitais científicos </a:t>
-            </a:r>
-          </a:p>
-          <a:p>
-            <a:pPr lvl="1"/>
-            <a:r>
-              <a:rPr lang="pt-BR" dirty="0" smtClean="0"/>
-              <a:t>envolve diversidade de processos</a:t>
+              <a:t>Análise </a:t>
+            </a:r>
+            <a:r>
+              <a:rPr lang="pt-BR" dirty="0" smtClean="0"/>
+              <a:t>de processos e seus resultados </a:t>
             </a:r>
           </a:p>
           <a:p>
@@ -10731,14 +11899,7 @@
           <a:p>
             <a:r>
               <a:rPr lang="pt-BR" dirty="0" smtClean="0"/>
-              <a:t>Análise de processos e seus resultados </a:t>
-            </a:r>
-          </a:p>
-          <a:p>
-            <a:pPr lvl="1"/>
-            <a:r>
-              <a:rPr lang="pt-BR" dirty="0" smtClean="0"/>
-              <a:t>exige um rigoroso acompanhamento das alterações ocorridas</a:t>
+              <a:t>Resultados de experimentos científicos </a:t>
             </a:r>
           </a:p>
           <a:p>
@@ -10748,58 +11909,11 @@
           <a:p>
             <a:r>
               <a:rPr lang="pt-BR" dirty="0" smtClean="0"/>
-              <a:t>Resultados </a:t>
-            </a:r>
-            <a:r>
-              <a:rPr lang="pt-BR" dirty="0" smtClean="0"/>
-              <a:t>de experimentos científicos </a:t>
-            </a:r>
-            <a:endParaRPr lang="pt-BR" dirty="0" smtClean="0"/>
-          </a:p>
-          <a:p>
-            <a:pPr lvl="1"/>
-            <a:r>
-              <a:rPr lang="pt-BR" dirty="0" smtClean="0"/>
-              <a:t>não </a:t>
-            </a:r>
-            <a:r>
-              <a:rPr lang="pt-BR" dirty="0" smtClean="0"/>
-              <a:t>podem ser compreendidos sem o conhecimento do significado dos dados </a:t>
-            </a:r>
-            <a:endParaRPr lang="pt-BR" dirty="0" smtClean="0"/>
-          </a:p>
-          <a:p>
-            <a:pPr lvl="1"/>
-            <a:r>
-              <a:rPr lang="pt-BR" dirty="0" smtClean="0"/>
-              <a:t>conhecimento </a:t>
-            </a:r>
-            <a:r>
-              <a:rPr lang="pt-BR" dirty="0" smtClean="0"/>
-              <a:t>das </a:t>
-            </a:r>
-            <a:r>
-              <a:rPr lang="pt-BR" dirty="0" smtClean="0"/>
-              <a:t>circunstâncias ocorridas em sua criação. </a:t>
-            </a:r>
-            <a:endParaRPr lang="pt-BR" dirty="0" smtClean="0"/>
-          </a:p>
-          <a:p>
-            <a:pPr lvl="1"/>
-            <a:endParaRPr lang="pt-BR" dirty="0" smtClean="0"/>
-          </a:p>
-          <a:p>
-            <a:r>
-              <a:rPr lang="pt-BR" dirty="0" smtClean="0"/>
-              <a:t>Pode ser realizado por proveniência </a:t>
-            </a:r>
-            <a:r>
-              <a:rPr lang="pt-BR" dirty="0" smtClean="0"/>
-              <a:t>dos </a:t>
-            </a:r>
-            <a:r>
-              <a:rPr lang="pt-BR" dirty="0" smtClean="0"/>
-              <a:t>dados</a:t>
+              <a:t>Solução: proveniência </a:t>
+            </a:r>
+            <a:r>
+              <a:rPr lang="pt-BR" dirty="0" smtClean="0"/>
+              <a:t>dos dados</a:t>
             </a:r>
           </a:p>
         </p:txBody>
@@ -10843,8 +11957,8 @@
           <a:lstStyle/>
           <a:p>
             <a:r>
-              <a:rPr lang="pt-BR" dirty="0" smtClean="0"/>
-              <a:t>Título</a:t>
+              <a:rPr lang="pt-BR" b="1" dirty="0" smtClean="0"/>
+              <a:t>Comparação entre os Modelos de Proveniência</a:t>
             </a:r>
             <a:endParaRPr lang="pt-BR" dirty="0"/>
           </a:p>
@@ -10879,6 +11993,13 @@
   <p:clrMapOvr>
     <a:masterClrMapping/>
   </p:clrMapOvr>
+  <p:timing>
+    <p:tnLst>
+      <p:par>
+        <p:cTn id="1" dur="indefinite" restart="never" nodeType="tmRoot"/>
+      </p:par>
+    </p:tnLst>
+  </p:timing>
 </p:sld>
 </file>
 
@@ -10961,10 +12082,10 @@
           <a:lstStyle/>
           <a:p>
             <a:r>
-              <a:rPr lang="pt-BR" smtClean="0"/>
-              <a:t>Título</a:t>
-            </a:r>
-            <a:endParaRPr lang="pt-BR"/>
+              <a:rPr lang="pt-BR" b="1" dirty="0" smtClean="0"/>
+              <a:t>Comparação entre os Modelos de Proveniência</a:t>
+            </a:r>
+            <a:endParaRPr lang="pt-BR" dirty="0"/>
           </a:p>
         </p:txBody>
       </p:sp>
@@ -11117,10 +12238,10 @@
           <a:lstStyle/>
           <a:p>
             <a:r>
-              <a:rPr lang="pt-BR" smtClean="0"/>
-              <a:t>Título</a:t>
-            </a:r>
-            <a:endParaRPr lang="pt-BR"/>
+              <a:rPr lang="pt-BR" b="1" dirty="0" smtClean="0"/>
+              <a:t>Comparação entre os Modelos de Proveniência</a:t>
+            </a:r>
+            <a:endParaRPr lang="pt-BR" dirty="0"/>
           </a:p>
         </p:txBody>
       </p:sp>
@@ -11190,6 +12311,469 @@
 </p:sld>
 </file>
 
+<file path=ppt/slides/slide22.xml><?xml version="1.0" encoding="utf-8"?>
+<p:sld xmlns:a="http://schemas.openxmlformats.org/drawingml/2006/main" xmlns:r="http://schemas.openxmlformats.org/officeDocument/2006/relationships" xmlns:p="http://schemas.openxmlformats.org/presentationml/2006/main">
+  <p:cSld>
+    <p:spTree>
+      <p:nvGrpSpPr>
+        <p:cNvPr id="1" name=""/>
+        <p:cNvGrpSpPr/>
+        <p:nvPr/>
+      </p:nvGrpSpPr>
+      <p:grpSpPr>
+        <a:xfrm>
+          <a:off x="0" y="0"/>
+          <a:ext cx="0" cy="0"/>
+          <a:chOff x="0" y="0"/>
+          <a:chExt cx="0" cy="0"/>
+        </a:xfrm>
+      </p:grpSpPr>
+      <p:sp>
+        <p:nvSpPr>
+          <p:cNvPr id="2" name="Title 1"/>
+          <p:cNvSpPr>
+            <a:spLocks noGrp="1"/>
+          </p:cNvSpPr>
+          <p:nvPr>
+            <p:ph type="title"/>
+          </p:nvPr>
+        </p:nvSpPr>
+        <p:spPr/>
+        <p:txBody>
+          <a:bodyPr/>
+          <a:lstStyle/>
+          <a:p>
+            <a:r>
+              <a:rPr lang="en-US" dirty="0" smtClean="0"/>
+              <a:t>PROV</a:t>
+            </a:r>
+            <a:endParaRPr lang="en-US" dirty="0"/>
+          </a:p>
+        </p:txBody>
+      </p:sp>
+      <p:sp>
+        <p:nvSpPr>
+          <p:cNvPr id="3" name="Content Placeholder 2"/>
+          <p:cNvSpPr>
+            <a:spLocks noGrp="1"/>
+          </p:cNvSpPr>
+          <p:nvPr>
+            <p:ph idx="1"/>
+          </p:nvPr>
+        </p:nvSpPr>
+        <p:spPr/>
+        <p:txBody>
+          <a:bodyPr>
+            <a:normAutofit/>
+          </a:bodyPr>
+          <a:lstStyle/>
+          <a:p>
+            <a:r>
+              <a:rPr lang="pt-BR" dirty="0" smtClean="0"/>
+              <a:t>Classifica a proveniência em três tipos:</a:t>
+            </a:r>
+          </a:p>
+          <a:p>
+            <a:endParaRPr lang="en-US" dirty="0" smtClean="0"/>
+          </a:p>
+          <a:p>
+            <a:pPr lvl="1"/>
+            <a:r>
+              <a:rPr lang="pt-BR" b="1" dirty="0" smtClean="0"/>
+              <a:t>Centralizado em </a:t>
+            </a:r>
+            <a:r>
+              <a:rPr lang="pt-BR" b="1" dirty="0" smtClean="0"/>
+              <a:t>Agentes</a:t>
+            </a:r>
+            <a:endParaRPr lang="pt-BR" i="1" dirty="0" smtClean="0"/>
+          </a:p>
+          <a:p>
+            <a:pPr lvl="1"/>
+            <a:endParaRPr lang="en-US" dirty="0" smtClean="0"/>
+          </a:p>
+          <a:p>
+            <a:pPr lvl="1"/>
+            <a:r>
+              <a:rPr lang="pt-BR" b="1" dirty="0" smtClean="0"/>
+              <a:t>Centralizada em </a:t>
+            </a:r>
+            <a:r>
+              <a:rPr lang="pt-BR" b="1" dirty="0" smtClean="0"/>
+              <a:t>Objetos</a:t>
+            </a:r>
+            <a:endParaRPr lang="pt-BR" i="1" dirty="0" smtClean="0"/>
+          </a:p>
+          <a:p>
+            <a:pPr lvl="1"/>
+            <a:endParaRPr lang="en-US" dirty="0" smtClean="0"/>
+          </a:p>
+          <a:p>
+            <a:pPr lvl="1"/>
+            <a:r>
+              <a:rPr lang="pt-BR" b="1" dirty="0" smtClean="0"/>
+              <a:t>Centralizada em </a:t>
+            </a:r>
+            <a:r>
+              <a:rPr lang="pt-BR" b="1" dirty="0" smtClean="0"/>
+              <a:t>Processos</a:t>
+            </a:r>
+            <a:endParaRPr lang="en-US" i="1" dirty="0" smtClean="0"/>
+          </a:p>
+          <a:p>
+            <a:endParaRPr lang="en-US" dirty="0"/>
+          </a:p>
+        </p:txBody>
+      </p:sp>
+      <p:sp>
+        <p:nvSpPr>
+          <p:cNvPr id="4" name="Date Placeholder 3"/>
+          <p:cNvSpPr>
+            <a:spLocks noGrp="1"/>
+          </p:cNvSpPr>
+          <p:nvPr>
+            <p:ph type="dt" sz="half" idx="10"/>
+          </p:nvPr>
+        </p:nvSpPr>
+        <p:spPr/>
+        <p:txBody>
+          <a:bodyPr/>
+          <a:lstStyle/>
+          <a:p>
+            <a:r>
+              <a:rPr lang="pt-BR" smtClean="0"/>
+              <a:t>Troy Kohwalter</a:t>
+            </a:r>
+            <a:endParaRPr lang="pt-BR" dirty="0"/>
+          </a:p>
+        </p:txBody>
+      </p:sp>
+      <p:sp>
+        <p:nvSpPr>
+          <p:cNvPr id="5" name="Footer Placeholder 4"/>
+          <p:cNvSpPr>
+            <a:spLocks noGrp="1"/>
+          </p:cNvSpPr>
+          <p:nvPr>
+            <p:ph type="ftr" sz="quarter" idx="11"/>
+          </p:nvPr>
+        </p:nvSpPr>
+        <p:spPr/>
+        <p:txBody>
+          <a:bodyPr/>
+          <a:lstStyle/>
+          <a:p>
+            <a:r>
+              <a:rPr lang="pt-BR" b="1" dirty="0" smtClean="0"/>
+              <a:t>Comparação entre os Modelos de Proveniência</a:t>
+            </a:r>
+            <a:endParaRPr lang="pt-BR" dirty="0"/>
+          </a:p>
+        </p:txBody>
+      </p:sp>
+      <p:sp>
+        <p:nvSpPr>
+          <p:cNvPr id="6" name="Slide Number Placeholder 5"/>
+          <p:cNvSpPr>
+            <a:spLocks noGrp="1"/>
+          </p:cNvSpPr>
+          <p:nvPr>
+            <p:ph type="sldNum" sz="quarter" idx="12"/>
+          </p:nvPr>
+        </p:nvSpPr>
+        <p:spPr/>
+        <p:txBody>
+          <a:bodyPr/>
+          <a:lstStyle/>
+          <a:p>
+            <a:fld id="{0AAA623A-5D3C-471A-939B-3DC944CAB218}" type="slidenum">
+              <a:rPr lang="pt-BR" smtClean="0"/>
+              <a:pPr/>
+              <a:t>22</a:t>
+            </a:fld>
+            <a:endParaRPr lang="pt-BR"/>
+          </a:p>
+        </p:txBody>
+      </p:sp>
+      <p:pic>
+        <p:nvPicPr>
+          <p:cNvPr id="23554" name="Picture 2" descr="http://xalts.com/images/what-icon.png"/>
+          <p:cNvPicPr>
+            <a:picLocks noChangeAspect="1" noChangeArrowheads="1"/>
+          </p:cNvPicPr>
+          <p:nvPr/>
+        </p:nvPicPr>
+        <p:blipFill>
+          <a:blip r:embed="rId3" cstate="print"/>
+          <a:srcRect/>
+          <a:stretch>
+            <a:fillRect/>
+          </a:stretch>
+        </p:blipFill>
+        <p:spPr bwMode="auto">
+          <a:xfrm>
+            <a:off x="4648200" y="2819400"/>
+            <a:ext cx="2209800" cy="2507575"/>
+          </a:xfrm>
+          <a:prstGeom prst="rect">
+            <a:avLst/>
+          </a:prstGeom>
+          <a:noFill/>
+        </p:spPr>
+      </p:pic>
+      <p:pic>
+        <p:nvPicPr>
+          <p:cNvPr id="23556" name="Picture 4" descr="http://t1.ftcdn.net/jpg/00/25/94/96/400_F_25949621_UJ4mFrqM0FL1m23dKdF9czDBIep4fdD0.jpg"/>
+          <p:cNvPicPr>
+            <a:picLocks noChangeAspect="1" noChangeArrowheads="1"/>
+          </p:cNvPicPr>
+          <p:nvPr/>
+        </p:nvPicPr>
+        <p:blipFill>
+          <a:blip r:embed="rId4" cstate="print"/>
+          <a:srcRect/>
+          <a:stretch>
+            <a:fillRect/>
+          </a:stretch>
+        </p:blipFill>
+        <p:spPr bwMode="auto">
+          <a:xfrm>
+            <a:off x="6858000" y="4191000"/>
+            <a:ext cx="2057400" cy="2057400"/>
+          </a:xfrm>
+          <a:prstGeom prst="rect">
+            <a:avLst/>
+          </a:prstGeom>
+          <a:noFill/>
+        </p:spPr>
+      </p:pic>
+      <p:pic>
+        <p:nvPicPr>
+          <p:cNvPr id="23558" name="Picture 6" descr="http://s3.amazonaws.com/bonanzleimages/blog_assets/0000/0139/unknown-person.png"/>
+          <p:cNvPicPr>
+            <a:picLocks noChangeAspect="1" noChangeArrowheads="1"/>
+          </p:cNvPicPr>
+          <p:nvPr/>
+        </p:nvPicPr>
+        <p:blipFill>
+          <a:blip r:embed="rId5" cstate="print"/>
+          <a:srcRect/>
+          <a:stretch>
+            <a:fillRect/>
+          </a:stretch>
+        </p:blipFill>
+        <p:spPr bwMode="auto">
+          <a:xfrm>
+            <a:off x="7239000" y="2286000"/>
+            <a:ext cx="1521177" cy="1676400"/>
+          </a:xfrm>
+          <a:prstGeom prst="rect">
+            <a:avLst/>
+          </a:prstGeom>
+          <a:noFill/>
+        </p:spPr>
+      </p:pic>
+    </p:spTree>
+  </p:cSld>
+  <p:clrMapOvr>
+    <a:masterClrMapping/>
+  </p:clrMapOvr>
+  <p:timing>
+    <p:tnLst>
+      <p:par>
+        <p:cTn id="1" dur="indefinite" restart="never" nodeType="tmRoot"/>
+      </p:par>
+    </p:tnLst>
+  </p:timing>
+</p:sld>
+</file>
+
+<file path=ppt/slides/slide23.xml><?xml version="1.0" encoding="utf-8"?>
+<p:sld xmlns:a="http://schemas.openxmlformats.org/drawingml/2006/main" xmlns:r="http://schemas.openxmlformats.org/officeDocument/2006/relationships" xmlns:p="http://schemas.openxmlformats.org/presentationml/2006/main">
+  <p:cSld>
+    <p:spTree>
+      <p:nvGrpSpPr>
+        <p:cNvPr id="1" name=""/>
+        <p:cNvGrpSpPr/>
+        <p:nvPr/>
+      </p:nvGrpSpPr>
+      <p:grpSpPr>
+        <a:xfrm>
+          <a:off x="0" y="0"/>
+          <a:ext cx="0" cy="0"/>
+          <a:chOff x="0" y="0"/>
+          <a:chExt cx="0" cy="0"/>
+        </a:xfrm>
+      </p:grpSpPr>
+      <p:sp>
+        <p:nvSpPr>
+          <p:cNvPr id="2" name="Title 1"/>
+          <p:cNvSpPr>
+            <a:spLocks noGrp="1"/>
+          </p:cNvSpPr>
+          <p:nvPr>
+            <p:ph type="title"/>
+          </p:nvPr>
+        </p:nvSpPr>
+        <p:spPr/>
+        <p:txBody>
+          <a:bodyPr/>
+          <a:lstStyle/>
+          <a:p>
+            <a:endParaRPr lang="en-US"/>
+          </a:p>
+        </p:txBody>
+      </p:sp>
+      <p:sp>
+        <p:nvSpPr>
+          <p:cNvPr id="3" name="Content Placeholder 2"/>
+          <p:cNvSpPr>
+            <a:spLocks noGrp="1"/>
+          </p:cNvSpPr>
+          <p:nvPr>
+            <p:ph idx="1"/>
+          </p:nvPr>
+        </p:nvSpPr>
+        <p:spPr/>
+        <p:txBody>
+          <a:bodyPr/>
+          <a:lstStyle/>
+          <a:p>
+            <a:r>
+              <a:rPr lang="en-US" i="1" u="sng" dirty="0" smtClean="0"/>
+              <a:t>3</a:t>
+            </a:r>
+            <a:r>
+              <a:rPr lang="en-US" i="1" u="sng" baseline="30000" dirty="0" smtClean="0"/>
+              <a:t>rd</a:t>
+            </a:r>
+            <a:r>
+              <a:rPr lang="en-US" i="1" u="sng" dirty="0" smtClean="0"/>
+              <a:t> Challenge</a:t>
+            </a:r>
+            <a:r>
+              <a:rPr lang="en-US" dirty="0" smtClean="0"/>
+              <a:t>: Evaluate the OPM in a practical setting, from an interoperability </a:t>
+            </a:r>
+            <a:r>
+              <a:rPr lang="en-US" dirty="0" smtClean="0"/>
+              <a:t>perspective</a:t>
+            </a:r>
+            <a:endParaRPr lang="en-US" dirty="0" smtClean="0"/>
+          </a:p>
+          <a:p>
+            <a:endParaRPr lang="en-US" dirty="0" smtClean="0"/>
+          </a:p>
+          <a:p>
+            <a:r>
+              <a:rPr lang="en-US" i="1" u="sng" dirty="0" smtClean="0"/>
+              <a:t>4</a:t>
+            </a:r>
+            <a:r>
+              <a:rPr lang="en-US" i="1" u="sng" baseline="30000" dirty="0" smtClean="0"/>
+              <a:t>th</a:t>
+            </a:r>
+            <a:r>
+              <a:rPr lang="en-US" i="1" u="sng" dirty="0" smtClean="0"/>
+              <a:t> </a:t>
+            </a:r>
+            <a:r>
+              <a:rPr lang="en-US" i="1" u="sng" dirty="0" smtClean="0"/>
+              <a:t>Challenge</a:t>
+            </a:r>
+            <a:r>
+              <a:rPr lang="en-US" dirty="0" smtClean="0"/>
+              <a:t>: Creation of the W3C </a:t>
+            </a:r>
+            <a:r>
+              <a:rPr lang="en-US" smtClean="0"/>
+              <a:t>Provenance Working Group</a:t>
+            </a:r>
+            <a:endParaRPr lang="en-US" dirty="0" smtClean="0"/>
+          </a:p>
+          <a:p>
+            <a:endParaRPr lang="en-US" dirty="0"/>
+          </a:p>
+        </p:txBody>
+      </p:sp>
+      <p:sp>
+        <p:nvSpPr>
+          <p:cNvPr id="4" name="Date Placeholder 3"/>
+          <p:cNvSpPr>
+            <a:spLocks noGrp="1"/>
+          </p:cNvSpPr>
+          <p:nvPr>
+            <p:ph type="dt" sz="half" idx="10"/>
+          </p:nvPr>
+        </p:nvSpPr>
+        <p:spPr/>
+        <p:txBody>
+          <a:bodyPr/>
+          <a:lstStyle/>
+          <a:p>
+            <a:r>
+              <a:rPr lang="pt-BR" smtClean="0"/>
+              <a:t>Troy Kohwalter</a:t>
+            </a:r>
+            <a:endParaRPr lang="pt-BR" dirty="0"/>
+          </a:p>
+        </p:txBody>
+      </p:sp>
+      <p:sp>
+        <p:nvSpPr>
+          <p:cNvPr id="5" name="Footer Placeholder 4"/>
+          <p:cNvSpPr>
+            <a:spLocks noGrp="1"/>
+          </p:cNvSpPr>
+          <p:nvPr>
+            <p:ph type="ftr" sz="quarter" idx="11"/>
+          </p:nvPr>
+        </p:nvSpPr>
+        <p:spPr/>
+        <p:txBody>
+          <a:bodyPr/>
+          <a:lstStyle/>
+          <a:p>
+            <a:r>
+              <a:rPr lang="pt-BR" smtClean="0"/>
+              <a:t>Título</a:t>
+            </a:r>
+            <a:endParaRPr lang="pt-BR"/>
+          </a:p>
+        </p:txBody>
+      </p:sp>
+      <p:sp>
+        <p:nvSpPr>
+          <p:cNvPr id="6" name="Slide Number Placeholder 5"/>
+          <p:cNvSpPr>
+            <a:spLocks noGrp="1"/>
+          </p:cNvSpPr>
+          <p:nvPr>
+            <p:ph type="sldNum" sz="quarter" idx="12"/>
+          </p:nvPr>
+        </p:nvSpPr>
+        <p:spPr/>
+        <p:txBody>
+          <a:bodyPr/>
+          <a:lstStyle/>
+          <a:p>
+            <a:fld id="{0AAA623A-5D3C-471A-939B-3DC944CAB218}" type="slidenum">
+              <a:rPr lang="pt-BR" smtClean="0"/>
+              <a:pPr/>
+              <a:t>23</a:t>
+            </a:fld>
+            <a:endParaRPr lang="pt-BR"/>
+          </a:p>
+        </p:txBody>
+      </p:sp>
+    </p:spTree>
+  </p:cSld>
+  <p:clrMapOvr>
+    <a:masterClrMapping/>
+  </p:clrMapOvr>
+</p:sld>
+</file>
+
 <file path=ppt/slides/slide3.xml><?xml version="1.0" encoding="utf-8"?>
 <p:sld xmlns:a="http://schemas.openxmlformats.org/drawingml/2006/main" xmlns:r="http://schemas.openxmlformats.org/officeDocument/2006/relationships" xmlns:p="http://schemas.openxmlformats.org/presentationml/2006/main">
   <p:cSld>
@@ -11224,7 +12808,7 @@
           <a:p>
             <a:r>
               <a:rPr lang="pt-BR" dirty="0" smtClean="0"/>
-              <a:t>Motivação</a:t>
+              <a:t>Proveniência</a:t>
             </a:r>
             <a:endParaRPr lang="pt-BR" dirty="0"/>
           </a:p>
@@ -11243,91 +12827,86 @@
         <p:spPr/>
         <p:txBody>
           <a:bodyPr>
-            <a:normAutofit/>
+            <a:normAutofit fontScale="77500" lnSpcReduction="20000"/>
           </a:bodyPr>
           <a:lstStyle/>
           <a:p>
-            <a:r>
-              <a:rPr lang="pt-BR" dirty="0" smtClean="0"/>
-              <a:t>Quando do surgimento do PROV, o OPM já vinha sendo utilizado em diversas abordagens. </a:t>
-            </a:r>
+            <a:pPr algn="ctr">
+              <a:buNone/>
+            </a:pPr>
+            <a:r>
+              <a:rPr lang="pt-BR" sz="4100" i="1" dirty="0" smtClean="0"/>
+              <a:t>“Refere-se à documentação histórica de um objeto, ou sua trajetória de vida”</a:t>
+            </a:r>
+          </a:p>
+          <a:p>
+            <a:pPr lvl="1">
+              <a:buNone/>
+            </a:pPr>
             <a:endParaRPr lang="pt-BR" dirty="0" smtClean="0"/>
           </a:p>
           <a:p>
+            <a:r>
+              <a:rPr lang="pt-BR" dirty="0" smtClean="0"/>
+              <a:t>Fornece um fundamento essencial para avaliar a autenticidade de dados</a:t>
+            </a:r>
+          </a:p>
+          <a:p>
             <a:pPr lvl="1"/>
             <a:r>
               <a:rPr lang="pt-BR" dirty="0" smtClean="0"/>
-              <a:t>Possibilidade do </a:t>
-            </a:r>
-            <a:r>
-              <a:rPr lang="pt-BR" dirty="0" smtClean="0"/>
-              <a:t>PROV se tornar o modelo </a:t>
-            </a:r>
-            <a:r>
-              <a:rPr lang="pt-BR" dirty="0" smtClean="0"/>
-              <a:t>padrão</a:t>
-            </a:r>
-          </a:p>
-          <a:p>
-            <a:pPr lvl="2"/>
-            <a:r>
-              <a:rPr lang="pt-BR" dirty="0" smtClean="0"/>
-              <a:t>Processo </a:t>
-            </a:r>
-            <a:r>
-              <a:rPr lang="pt-BR" dirty="0" smtClean="0"/>
-              <a:t>de migração </a:t>
-            </a:r>
-            <a:r>
-              <a:rPr lang="pt-BR" dirty="0" smtClean="0"/>
-              <a:t>dos </a:t>
-            </a:r>
-            <a:r>
-              <a:rPr lang="pt-BR" dirty="0" smtClean="0"/>
-              <a:t>sistemas </a:t>
-            </a:r>
-            <a:r>
-              <a:rPr lang="pt-BR" dirty="0" smtClean="0"/>
-              <a:t>OPM </a:t>
-            </a:r>
-            <a:r>
-              <a:rPr lang="pt-BR" dirty="0" smtClean="0"/>
-              <a:t>para o PROV. </a:t>
-            </a:r>
+              <a:t>permite confiabilidade e reprodutibilidade</a:t>
+            </a:r>
+          </a:p>
+          <a:p>
+            <a:pPr lvl="1"/>
             <a:endParaRPr lang="pt-BR" dirty="0" smtClean="0"/>
           </a:p>
           <a:p>
+            <a:r>
+              <a:rPr lang="pt-BR" dirty="0" smtClean="0"/>
+              <a:t>Modelos:</a:t>
+            </a:r>
+          </a:p>
+          <a:p>
+            <a:pPr lvl="1"/>
+            <a:r>
+              <a:rPr lang="pt-BR" dirty="0" smtClean="0"/>
+              <a:t>OPM (2006)</a:t>
+            </a:r>
+          </a:p>
+          <a:p>
+            <a:pPr lvl="1"/>
+            <a:r>
+              <a:rPr lang="pt-BR" dirty="0" smtClean="0"/>
+              <a:t>PROV (2010)</a:t>
+            </a:r>
+          </a:p>
+          <a:p>
+            <a:pPr lvl="1"/>
             <a:endParaRPr lang="pt-BR" dirty="0" smtClean="0"/>
           </a:p>
           <a:p>
             <a:r>
               <a:rPr lang="pt-BR" dirty="0" smtClean="0"/>
-              <a:t>Realizar </a:t>
-            </a:r>
-            <a:r>
-              <a:rPr lang="pt-BR" dirty="0" smtClean="0"/>
-              <a:t>um estudo comparativo entre estes modelos de </a:t>
-            </a:r>
-            <a:r>
-              <a:rPr lang="pt-BR" dirty="0" smtClean="0"/>
-              <a:t>proveniência </a:t>
+              <a:t>Grafo de Proveniência</a:t>
             </a:r>
           </a:p>
           <a:p>
             <a:pPr lvl="1"/>
             <a:r>
               <a:rPr lang="pt-BR" dirty="0" smtClean="0"/>
-              <a:t>apresentar </a:t>
-            </a:r>
-            <a:r>
-              <a:rPr lang="pt-BR" dirty="0" smtClean="0"/>
-              <a:t>um mapeamento </a:t>
-            </a:r>
-            <a:r>
-              <a:rPr lang="pt-BR" dirty="0" smtClean="0"/>
-              <a:t>dos modelos</a:t>
-            </a:r>
-            <a:endParaRPr lang="en-US" dirty="0"/>
+              <a:t>Grafo de </a:t>
+            </a:r>
+            <a:r>
+              <a:rPr lang="pt-BR" dirty="0" smtClean="0"/>
+              <a:t>Causalidade</a:t>
+            </a:r>
+            <a:endParaRPr lang="pt-BR" dirty="0" smtClean="0"/>
+          </a:p>
+          <a:p>
+            <a:pPr lvl="1"/>
+            <a:endParaRPr lang="pt-BR" dirty="0"/>
           </a:p>
         </p:txBody>
       </p:sp>
@@ -11370,10 +12949,10 @@
           <a:lstStyle/>
           <a:p>
             <a:r>
-              <a:rPr lang="pt-BR" smtClean="0"/>
-              <a:t>Título</a:t>
-            </a:r>
-            <a:endParaRPr lang="pt-BR"/>
+              <a:rPr lang="pt-BR" b="1" dirty="0" smtClean="0"/>
+              <a:t>Comparação entre os Modelos de Proveniência</a:t>
+            </a:r>
+            <a:endParaRPr lang="pt-BR" dirty="0"/>
           </a:p>
         </p:txBody>
       </p:sp>
@@ -11406,6 +12985,13 @@
   <p:clrMapOvr>
     <a:masterClrMapping/>
   </p:clrMapOvr>
+  <p:timing>
+    <p:tnLst>
+      <p:par>
+        <p:cTn id="1" dur="indefinite" restart="never" nodeType="tmRoot"/>
+      </p:par>
+    </p:tnLst>
+  </p:timing>
 </p:sld>
 </file>
 
@@ -11443,7 +13029,7 @@
           <a:p>
             <a:r>
               <a:rPr lang="pt-BR" dirty="0" smtClean="0"/>
-              <a:t>Proveniência</a:t>
+              <a:t>Motivação</a:t>
             </a:r>
             <a:endParaRPr lang="pt-BR" dirty="0"/>
           </a:p>
@@ -11462,105 +13048,47 @@
         <p:spPr/>
         <p:txBody>
           <a:bodyPr>
-            <a:normAutofit fontScale="77500" lnSpcReduction="20000"/>
+            <a:normAutofit/>
           </a:bodyPr>
           <a:lstStyle/>
           <a:p>
-            <a:pPr algn="ctr">
-              <a:buNone/>
-            </a:pPr>
-            <a:r>
-              <a:rPr lang="pt-BR" sz="4100" i="1" dirty="0" smtClean="0"/>
-              <a:t>“Refere-se à </a:t>
-            </a:r>
-            <a:r>
-              <a:rPr lang="pt-BR" sz="4100" i="1" dirty="0" smtClean="0"/>
-              <a:t>documentação histórica de um objeto, ou sua trajetória de </a:t>
-            </a:r>
-            <a:r>
-              <a:rPr lang="pt-BR" sz="4100" i="1" dirty="0" smtClean="0"/>
-              <a:t>vida”</a:t>
-            </a:r>
-          </a:p>
-          <a:p>
-            <a:pPr lvl="1">
-              <a:buNone/>
-            </a:pPr>
+            <a:r>
+              <a:rPr lang="pt-BR" dirty="0" smtClean="0"/>
+              <a:t>Possibilidade </a:t>
+            </a:r>
+            <a:r>
+              <a:rPr lang="pt-BR" dirty="0" smtClean="0"/>
+              <a:t>do PROV se tornar o modelo padrão</a:t>
+            </a:r>
+          </a:p>
+          <a:p>
+            <a:pPr lvl="1"/>
+            <a:r>
+              <a:rPr lang="pt-BR" dirty="0" smtClean="0"/>
+              <a:t>Processo de migração dos sistemas OPM para o </a:t>
+            </a:r>
+            <a:r>
+              <a:rPr lang="pt-BR" dirty="0" smtClean="0"/>
+              <a:t>PROV</a:t>
+            </a:r>
             <a:endParaRPr lang="pt-BR" dirty="0" smtClean="0"/>
           </a:p>
           <a:p>
-            <a:r>
-              <a:rPr lang="pt-BR" dirty="0" smtClean="0"/>
-              <a:t>Fornece </a:t>
-            </a:r>
-            <a:r>
-              <a:rPr lang="pt-BR" dirty="0" smtClean="0"/>
-              <a:t>um fundamento essencial para avaliar a autenticidade de </a:t>
-            </a:r>
-            <a:r>
-              <a:rPr lang="pt-BR" dirty="0" smtClean="0"/>
-              <a:t>dados</a:t>
+            <a:endParaRPr lang="pt-BR" dirty="0" smtClean="0"/>
+          </a:p>
+          <a:p>
+            <a:r>
+              <a:rPr lang="pt-BR" dirty="0" smtClean="0"/>
+              <a:t>Realizar um estudo comparativo entre estes modelos de proveniência </a:t>
             </a:r>
           </a:p>
           <a:p>
             <a:pPr lvl="1"/>
             <a:r>
               <a:rPr lang="pt-BR" dirty="0" smtClean="0"/>
-              <a:t>permite </a:t>
-            </a:r>
-            <a:r>
-              <a:rPr lang="pt-BR" dirty="0" smtClean="0"/>
-              <a:t>confiabilidade e </a:t>
-            </a:r>
-            <a:r>
-              <a:rPr lang="pt-BR" dirty="0" smtClean="0"/>
-              <a:t>reprodutibilidade</a:t>
-            </a:r>
-          </a:p>
-          <a:p>
-            <a:pPr lvl="1"/>
-            <a:endParaRPr lang="pt-BR" dirty="0" smtClean="0"/>
-          </a:p>
-          <a:p>
-            <a:r>
-              <a:rPr lang="pt-BR" dirty="0" smtClean="0"/>
-              <a:t>Modelos:</a:t>
-            </a:r>
-          </a:p>
-          <a:p>
-            <a:pPr lvl="1"/>
-            <a:r>
-              <a:rPr lang="pt-BR" dirty="0" smtClean="0"/>
-              <a:t>OPM (2006)</a:t>
-            </a:r>
-          </a:p>
-          <a:p>
-            <a:pPr lvl="1"/>
-            <a:r>
-              <a:rPr lang="pt-BR" dirty="0" smtClean="0"/>
-              <a:t>PROV (2010)</a:t>
-            </a:r>
-          </a:p>
-          <a:p>
-            <a:pPr lvl="1"/>
-            <a:endParaRPr lang="pt-BR" dirty="0" smtClean="0"/>
-          </a:p>
-          <a:p>
-            <a:r>
-              <a:rPr lang="pt-BR" dirty="0" smtClean="0"/>
-              <a:t>Grafo de Proveniência</a:t>
-            </a:r>
-          </a:p>
-          <a:p>
-            <a:pPr lvl="1"/>
-            <a:r>
-              <a:rPr lang="pt-BR" dirty="0" smtClean="0"/>
-              <a:t>Grafo de Causalidade</a:t>
-            </a:r>
-          </a:p>
-          <a:p>
-            <a:pPr lvl="1"/>
-            <a:endParaRPr lang="pt-BR" dirty="0"/>
+              <a:t>apresentar um mapeamento dos modelos</a:t>
+            </a:r>
+            <a:endParaRPr lang="en-US" dirty="0"/>
           </a:p>
         </p:txBody>
       </p:sp>
@@ -11603,10 +13131,10 @@
           <a:lstStyle/>
           <a:p>
             <a:r>
-              <a:rPr lang="pt-BR" smtClean="0"/>
-              <a:t>Título</a:t>
-            </a:r>
-            <a:endParaRPr lang="pt-BR"/>
+              <a:rPr lang="pt-BR" b="1" dirty="0" smtClean="0"/>
+              <a:t>Comparação entre os Modelos de Proveniência</a:t>
+            </a:r>
+            <a:endParaRPr lang="pt-BR" dirty="0"/>
           </a:p>
         </p:txBody>
       </p:sp>
@@ -11639,6 +13167,13 @@
   <p:clrMapOvr>
     <a:masterClrMapping/>
   </p:clrMapOvr>
+  <p:timing>
+    <p:tnLst>
+      <p:par>
+        <p:cTn id="1" dur="indefinite" restart="never" nodeType="tmRoot"/>
+      </p:par>
+    </p:tnLst>
+  </p:timing>
 </p:sld>
 </file>
 
@@ -11709,11 +13244,7 @@
           <a:p>
             <a:r>
               <a:rPr lang="pt-BR" sz="2800" dirty="0" smtClean="0"/>
-              <a:t>Resultado </a:t>
-            </a:r>
-            <a:r>
-              <a:rPr lang="pt-BR" sz="2800" dirty="0" smtClean="0"/>
-              <a:t>dos Desafios de Proveniência (</a:t>
+              <a:t>Resultado dos Desafios de Proveniência (</a:t>
             </a:r>
             <a:r>
               <a:rPr lang="pt-BR" sz="2800" i="1" dirty="0" err="1" smtClean="0"/>
@@ -11729,11 +13260,7 @@
             </a:r>
             <a:r>
               <a:rPr lang="pt-BR" sz="2800" dirty="0" smtClean="0"/>
-              <a:t>) propostos no contexto do </a:t>
-            </a:r>
-            <a:r>
-              <a:rPr lang="pt-BR" sz="2800" dirty="0" smtClean="0"/>
-              <a:t>IPAW</a:t>
+              <a:t>) propostos no contexto do IPAW</a:t>
             </a:r>
           </a:p>
           <a:p>
@@ -11743,11 +13270,7 @@
             <a:pPr lvl="1"/>
             <a:r>
               <a:rPr lang="pt-BR" sz="2400" b="1" i="1" dirty="0" smtClean="0"/>
-              <a:t>1º </a:t>
-            </a:r>
-            <a:r>
-              <a:rPr lang="pt-BR" sz="2400" b="1" i="1" dirty="0" smtClean="0"/>
-              <a:t>Desafio</a:t>
+              <a:t>1º Desafio</a:t>
             </a:r>
             <a:r>
               <a:rPr lang="pt-BR" sz="2400" dirty="0" smtClean="0"/>
@@ -11755,15 +13278,11 @@
             </a:r>
             <a:r>
               <a:rPr lang="pt-BR" sz="2400" i="1" dirty="0" smtClean="0"/>
-              <a:t>promoção </a:t>
+              <a:t>entender </a:t>
             </a:r>
             <a:r>
               <a:rPr lang="pt-BR" sz="2400" i="1" dirty="0" smtClean="0"/>
-              <a:t>de um fórum para a comunidade entender as capacidades dos diferentes sistemas de proveniência e expressar suas representações de proveniência</a:t>
-            </a:r>
-            <a:r>
-              <a:rPr lang="pt-BR" sz="2400" i="1" dirty="0" smtClean="0"/>
-              <a:t>.</a:t>
+              <a:t>as capacidades dos diferentes sistemas de proveniência e expressar suas representações de proveniência.</a:t>
             </a:r>
             <a:endParaRPr lang="pt-BR" sz="2000" i="1" dirty="0" smtClean="0"/>
           </a:p>
@@ -11775,11 +13294,7 @@
             <a:pPr lvl="1"/>
             <a:r>
               <a:rPr lang="pt-BR" sz="2400" b="1" i="1" dirty="0" smtClean="0"/>
-              <a:t>2º </a:t>
-            </a:r>
-            <a:r>
-              <a:rPr lang="pt-BR" sz="2400" b="1" i="1" dirty="0" smtClean="0"/>
-              <a:t>Desafio</a:t>
+              <a:t>2º Desafio</a:t>
             </a:r>
             <a:r>
               <a:rPr lang="pt-BR" sz="2400" dirty="0" smtClean="0"/>
@@ -11787,11 +13302,7 @@
             </a:r>
             <a:r>
               <a:rPr lang="pt-BR" sz="2400" i="1" dirty="0" smtClean="0"/>
-              <a:t>estabelecimento </a:t>
-            </a:r>
-            <a:r>
-              <a:rPr lang="pt-BR" sz="2400" i="1" dirty="0" smtClean="0"/>
-              <a:t>de interoperabilidade entre os sistemas, por meio de troca de informações de proveniência.</a:t>
+              <a:t>estabelecimento de interoperabilidade entre os sistemas, por meio de troca de informações de proveniência.</a:t>
             </a:r>
             <a:endParaRPr lang="en-US" i="1" dirty="0" smtClean="0"/>
           </a:p>
@@ -11839,10 +13350,10 @@
           <a:lstStyle/>
           <a:p>
             <a:r>
-              <a:rPr lang="pt-BR" smtClean="0"/>
-              <a:t>Título</a:t>
-            </a:r>
-            <a:endParaRPr lang="pt-BR"/>
+              <a:rPr lang="pt-BR" b="1" dirty="0" smtClean="0"/>
+              <a:t>Comparação entre os Modelos de Proveniência</a:t>
+            </a:r>
+            <a:endParaRPr lang="pt-BR" dirty="0"/>
           </a:p>
         </p:txBody>
       </p:sp>
@@ -11875,6 +13386,13 @@
   <p:clrMapOvr>
     <a:masterClrMapping/>
   </p:clrMapOvr>
+  <p:timing>
+    <p:tnLst>
+      <p:par>
+        <p:cTn id="1" dur="indefinite" restart="never" nodeType="tmRoot"/>
+      </p:par>
+    </p:tnLst>
+  </p:timing>
 </p:sld>
 </file>
 
@@ -11931,74 +13449,42 @@
         <p:spPr/>
         <p:txBody>
           <a:bodyPr>
-            <a:normAutofit fontScale="70000" lnSpcReduction="20000"/>
+            <a:normAutofit lnSpcReduction="10000"/>
           </a:bodyPr>
           <a:lstStyle/>
           <a:p>
             <a:r>
               <a:rPr lang="pt-BR" dirty="0" smtClean="0"/>
-              <a:t>R</a:t>
-            </a:r>
-            <a:r>
-              <a:rPr lang="pt-BR" dirty="0" smtClean="0"/>
-              <a:t>epresentação de </a:t>
-            </a:r>
-            <a:r>
-              <a:rPr lang="pt-BR" dirty="0" smtClean="0"/>
-              <a:t>dados de </a:t>
-            </a:r>
-            <a:r>
-              <a:rPr lang="pt-BR" dirty="0" smtClean="0"/>
-              <a:t>proveniência</a:t>
-            </a:r>
+              <a:t>Representação </a:t>
+            </a:r>
+            <a:r>
+              <a:rPr lang="pt-BR" dirty="0" smtClean="0"/>
+              <a:t>em grafo</a:t>
+            </a:r>
+            <a:endParaRPr lang="pt-BR" dirty="0" smtClean="0"/>
+          </a:p>
+          <a:p>
+            <a:pPr lvl="1">
+              <a:buNone/>
+            </a:pPr>
+            <a:endParaRPr lang="pt-BR" dirty="0" smtClean="0"/>
+          </a:p>
+          <a:p>
+            <a:r>
+              <a:rPr lang="pt-BR" dirty="0" smtClean="0"/>
+              <a:t>Entidades:</a:t>
+            </a:r>
+          </a:p>
+          <a:p>
+            <a:endParaRPr lang="pt-BR" dirty="0" smtClean="0"/>
           </a:p>
           <a:p>
             <a:pPr lvl="1"/>
             <a:r>
-              <a:rPr lang="pt-BR" dirty="0" smtClean="0"/>
-              <a:t>grafo causal: registra </a:t>
-            </a:r>
-            <a:r>
-              <a:rPr lang="pt-BR" dirty="0" smtClean="0"/>
-              <a:t>a trajetória de vida de um processo ou artefato. </a:t>
-            </a:r>
-            <a:endParaRPr lang="pt-BR" dirty="0" smtClean="0"/>
-          </a:p>
-          <a:p>
-            <a:pPr lvl="1"/>
-            <a:endParaRPr lang="pt-BR" dirty="0" smtClean="0"/>
-          </a:p>
-          <a:p>
-            <a:r>
-              <a:rPr lang="pt-BR" dirty="0" smtClean="0"/>
-              <a:t>Entidades:</a:t>
-            </a:r>
-          </a:p>
-          <a:p>
-            <a:endParaRPr lang="pt-BR" dirty="0" smtClean="0"/>
-          </a:p>
-          <a:p>
-            <a:pPr lvl="1"/>
-            <a:r>
               <a:rPr lang="pt-BR" b="1" i="1" dirty="0" smtClean="0"/>
-              <a:t>Artefato </a:t>
-            </a:r>
-            <a:r>
-              <a:rPr lang="pt-BR" b="1" i="1" dirty="0" smtClean="0"/>
-              <a:t>(Círculo - A)</a:t>
-            </a:r>
-            <a:r>
-              <a:rPr lang="pt-BR" dirty="0" smtClean="0"/>
-              <a:t>: </a:t>
-            </a:r>
-            <a:r>
-              <a:rPr lang="pt-BR" i="1" dirty="0" smtClean="0"/>
-              <a:t>Entidades imutáveis que podem representar um objeto físico ou uma representação digital de um sistema de computador</a:t>
-            </a:r>
-            <a:r>
-              <a:rPr lang="pt-BR" i="1" dirty="0" smtClean="0"/>
-              <a:t>.</a:t>
-            </a:r>
+              <a:t>Artefato</a:t>
+            </a:r>
+            <a:endParaRPr lang="pt-BR" i="1" dirty="0" smtClean="0"/>
           </a:p>
           <a:p>
             <a:pPr lvl="1"/>
@@ -12008,24 +13494,9 @@
             <a:pPr lvl="1"/>
             <a:r>
               <a:rPr lang="pt-BR" b="1" i="1" dirty="0" smtClean="0"/>
-              <a:t>Processo </a:t>
-            </a:r>
-            <a:r>
-              <a:rPr lang="pt-BR" b="1" i="1" dirty="0" smtClean="0"/>
-              <a:t>(Retângulo - P)</a:t>
-            </a:r>
-            <a:r>
-              <a:rPr lang="pt-BR" dirty="0" smtClean="0"/>
-              <a:t>: </a:t>
-            </a:r>
-            <a:r>
-              <a:rPr lang="pt-BR" i="1" dirty="0" smtClean="0"/>
-              <a:t>Ação ou conjunto de ações realizadas ou causadas por artefatos que irão resultar em novos artefatos</a:t>
-            </a:r>
-            <a:r>
-              <a:rPr lang="pt-BR" i="1" dirty="0" smtClean="0"/>
-              <a:t>.</a:t>
-            </a:r>
+              <a:t>Processo</a:t>
+            </a:r>
+            <a:endParaRPr lang="pt-BR" i="1" dirty="0" smtClean="0"/>
           </a:p>
           <a:p>
             <a:pPr lvl="1"/>
@@ -12035,32 +13506,9 @@
             <a:pPr lvl="1"/>
             <a:r>
               <a:rPr lang="pt-BR" b="1" i="1" dirty="0" smtClean="0"/>
-              <a:t>Agentes </a:t>
-            </a:r>
-            <a:r>
-              <a:rPr lang="pt-BR" b="1" i="1" dirty="0" smtClean="0"/>
-              <a:t>(Octógono - </a:t>
-            </a:r>
-            <a:r>
-              <a:rPr lang="pt-BR" b="1" i="1" dirty="0" err="1" smtClean="0"/>
-              <a:t>Ag</a:t>
-            </a:r>
-            <a:r>
-              <a:rPr lang="pt-BR" b="1" i="1" dirty="0" smtClean="0"/>
-              <a:t>)</a:t>
-            </a:r>
-            <a:r>
-              <a:rPr lang="pt-BR" dirty="0" smtClean="0"/>
-              <a:t>: </a:t>
-            </a:r>
-            <a:r>
-              <a:rPr lang="pt-BR" i="1" dirty="0" smtClean="0"/>
-              <a:t>Entidade contextual que age como catalisador de um processo, possibilitando, facilitando, controlando ou afetando sua execução</a:t>
-            </a:r>
-            <a:r>
-              <a:rPr lang="pt-BR" i="1" dirty="0" smtClean="0"/>
-              <a:t>.</a:t>
-            </a:r>
+              <a:t>Agentes</a:t>
+            </a:r>
+            <a:endParaRPr lang="pt-BR" i="1" dirty="0" smtClean="0"/>
           </a:p>
           <a:p>
             <a:endParaRPr lang="en-US" dirty="0"/>
@@ -12106,10 +13554,10 @@
           <a:lstStyle/>
           <a:p>
             <a:r>
-              <a:rPr lang="pt-BR" smtClean="0"/>
-              <a:t>Título</a:t>
-            </a:r>
-            <a:endParaRPr lang="pt-BR"/>
+              <a:rPr lang="pt-BR" b="1" dirty="0" smtClean="0"/>
+              <a:t>Comparação entre os Modelos de Proveniência</a:t>
+            </a:r>
+            <a:endParaRPr lang="pt-BR" dirty="0"/>
           </a:p>
         </p:txBody>
       </p:sp>
@@ -12137,11 +13585,96 @@
           </a:p>
         </p:txBody>
       </p:sp>
+      <p:pic>
+        <p:nvPicPr>
+          <p:cNvPr id="10" name="Picture 7" descr="http://t2.gstatic.com/images?q=tbn:ANd9GcQj1E5Q3ButAOARcLNDMKZpYArPcE-hsErfMOTvqOCbU9vM99jiiw"/>
+          <p:cNvPicPr>
+            <a:picLocks noChangeAspect="1" noChangeArrowheads="1"/>
+          </p:cNvPicPr>
+          <p:nvPr/>
+        </p:nvPicPr>
+        <p:blipFill>
+          <a:blip r:embed="rId3" cstate="print"/>
+          <a:srcRect/>
+          <a:stretch>
+            <a:fillRect/>
+          </a:stretch>
+        </p:blipFill>
+        <p:spPr bwMode="auto">
+          <a:xfrm>
+            <a:off x="3276600" y="3352800"/>
+            <a:ext cx="1143000" cy="1143000"/>
+          </a:xfrm>
+          <a:prstGeom prst="rect">
+            <a:avLst/>
+          </a:prstGeom>
+          <a:noFill/>
+        </p:spPr>
+      </p:pic>
+      <p:pic>
+        <p:nvPicPr>
+          <p:cNvPr id="11" name="Picture 9" descr="http://myyearwithoutclothesshopping.com/wp-content/uploads/2013/01/take-action-click-icon.jpg"/>
+          <p:cNvPicPr>
+            <a:picLocks noChangeAspect="1" noChangeArrowheads="1"/>
+          </p:cNvPicPr>
+          <p:nvPr/>
+        </p:nvPicPr>
+        <p:blipFill>
+          <a:blip r:embed="rId4" cstate="print"/>
+          <a:srcRect/>
+          <a:stretch>
+            <a:fillRect/>
+          </a:stretch>
+        </p:blipFill>
+        <p:spPr bwMode="auto">
+          <a:xfrm>
+            <a:off x="3352800" y="4572000"/>
+            <a:ext cx="914400" cy="908576"/>
+          </a:xfrm>
+          <a:prstGeom prst="rect">
+            <a:avLst/>
+          </a:prstGeom>
+          <a:noFill/>
+        </p:spPr>
+      </p:pic>
+      <p:pic>
+        <p:nvPicPr>
+          <p:cNvPr id="12" name="Picture 11" descr="http://t2.gstatic.com/images?q=tbn:ANd9GcS2gsibxgxYWPRR41gl3fLWq5D-LWtdwC1pt3GMbov3x4yeHfPoow"/>
+          <p:cNvPicPr>
+            <a:picLocks noChangeAspect="1" noChangeArrowheads="1"/>
+          </p:cNvPicPr>
+          <p:nvPr/>
+        </p:nvPicPr>
+        <p:blipFill>
+          <a:blip r:embed="rId5" cstate="print"/>
+          <a:srcRect/>
+          <a:stretch>
+            <a:fillRect/>
+          </a:stretch>
+        </p:blipFill>
+        <p:spPr bwMode="auto">
+          <a:xfrm>
+            <a:off x="3429000" y="5562600"/>
+            <a:ext cx="914400" cy="914400"/>
+          </a:xfrm>
+          <a:prstGeom prst="rect">
+            <a:avLst/>
+          </a:prstGeom>
+          <a:noFill/>
+        </p:spPr>
+      </p:pic>
     </p:spTree>
   </p:cSld>
   <p:clrMapOvr>
     <a:masterClrMapping/>
   </p:clrMapOvr>
+  <p:timing>
+    <p:tnLst>
+      <p:par>
+        <p:cTn id="1" dur="indefinite" restart="never" nodeType="tmRoot"/>
+      </p:par>
+    </p:tnLst>
+  </p:timing>
 </p:sld>
 </file>
 
@@ -12224,10 +13757,10 @@
           <a:lstStyle/>
           <a:p>
             <a:r>
-              <a:rPr lang="pt-BR" smtClean="0"/>
-              <a:t>Título</a:t>
-            </a:r>
-            <a:endParaRPr lang="pt-BR"/>
+              <a:rPr lang="pt-BR" b="1" dirty="0" smtClean="0"/>
+              <a:t>Comparação entre os Modelos de Proveniência</a:t>
+            </a:r>
+            <a:endParaRPr lang="pt-BR" dirty="0"/>
           </a:p>
         </p:txBody>
       </p:sp>
@@ -12257,8 +13790,10 @@
       </p:sp>
       <p:pic>
         <p:nvPicPr>
-          <p:cNvPr id="7" name="Picture 6"/>
-          <p:cNvPicPr/>
+          <p:cNvPr id="1027" name="Picture 3"/>
+          <p:cNvPicPr>
+            <a:picLocks noChangeAspect="1" noChangeArrowheads="1"/>
+          </p:cNvPicPr>
           <p:nvPr/>
         </p:nvPicPr>
         <p:blipFill>
@@ -12270,8 +13805,40 @@
         </p:blipFill>
         <p:spPr bwMode="auto">
           <a:xfrm>
-            <a:off x="3022945" y="1905000"/>
-            <a:ext cx="3098110" cy="4370055"/>
+            <a:off x="533400" y="1919288"/>
+            <a:ext cx="3552825" cy="3019425"/>
+          </a:xfrm>
+          <a:prstGeom prst="rect">
+            <a:avLst/>
+          </a:prstGeom>
+          <a:noFill/>
+          <a:ln w="9525">
+            <a:noFill/>
+            <a:miter lim="800000"/>
+            <a:headEnd/>
+            <a:tailEnd/>
+          </a:ln>
+        </p:spPr>
+      </p:pic>
+      <p:pic>
+        <p:nvPicPr>
+          <p:cNvPr id="1028" name="Picture 4"/>
+          <p:cNvPicPr>
+            <a:picLocks noChangeAspect="1" noChangeArrowheads="1"/>
+          </p:cNvPicPr>
+          <p:nvPr/>
+        </p:nvPicPr>
+        <p:blipFill>
+          <a:blip r:embed="rId4" cstate="print"/>
+          <a:srcRect/>
+          <a:stretch>
+            <a:fillRect/>
+          </a:stretch>
+        </p:blipFill>
+        <p:spPr bwMode="auto">
+          <a:xfrm>
+            <a:off x="4600575" y="2490788"/>
+            <a:ext cx="3552825" cy="1876425"/>
           </a:xfrm>
           <a:prstGeom prst="rect">
             <a:avLst/>
@@ -12290,6 +13857,13 @@
   <p:clrMapOvr>
     <a:masterClrMapping/>
   </p:clrMapOvr>
+  <p:timing>
+    <p:tnLst>
+      <p:par>
+        <p:cTn id="1" dur="indefinite" restart="never" nodeType="tmRoot"/>
+      </p:par>
+    </p:tnLst>
+  </p:timing>
 </p:sld>
 </file>
 
@@ -12346,29 +13920,44 @@
         <p:spPr/>
         <p:txBody>
           <a:bodyPr>
-            <a:normAutofit fontScale="92500" lnSpcReduction="20000"/>
+            <a:normAutofit lnSpcReduction="10000"/>
           </a:bodyPr>
           <a:lstStyle/>
           <a:p>
             <a:r>
               <a:rPr lang="pt-BR" dirty="0" smtClean="0"/>
-              <a:t>Desenvolvido </a:t>
-            </a:r>
-            <a:r>
-              <a:rPr lang="pt-BR" dirty="0" smtClean="0"/>
-              <a:t>pelo grupo incubador de proveniência do </a:t>
-            </a:r>
-            <a:r>
-              <a:rPr lang="pt-BR" dirty="0" smtClean="0"/>
-              <a:t>W3C</a:t>
-            </a:r>
-          </a:p>
-          <a:p>
-            <a:pPr lvl="1"/>
-            <a:r>
-              <a:rPr lang="pt-BR" dirty="0" smtClean="0"/>
-              <a:t>pesquisadores responsáveis pelo OPM</a:t>
-            </a:r>
+              <a:t>Desenvolvido pelo grupo incubador de proveniência do W3C</a:t>
+            </a:r>
+          </a:p>
+          <a:p>
+            <a:pPr lvl="1">
+              <a:buNone/>
+            </a:pPr>
+            <a:endParaRPr lang="pt-BR" dirty="0" smtClean="0"/>
+          </a:p>
+          <a:p>
+            <a:r>
+              <a:rPr lang="pt-BR" dirty="0" smtClean="0"/>
+              <a:t>Proveniência de recursos </a:t>
+            </a:r>
+          </a:p>
+          <a:p>
+            <a:pPr lvl="1">
+              <a:buNone/>
+            </a:pPr>
+            <a:r>
+              <a:rPr lang="pt-BR" dirty="0" smtClean="0"/>
+              <a:t>“Registro </a:t>
+            </a:r>
+            <a:r>
+              <a:rPr lang="pt-BR" dirty="0" smtClean="0"/>
+              <a:t>que descreve as entidades e processos envolvidos na produção de um recurso ou que influenciaram o </a:t>
+            </a:r>
+            <a:r>
+              <a:rPr lang="pt-BR" dirty="0" smtClean="0"/>
+              <a:t>mesmo”</a:t>
+            </a:r>
+            <a:endParaRPr lang="pt-BR" dirty="0" smtClean="0"/>
           </a:p>
           <a:p>
             <a:pPr lvl="1"/>
@@ -12377,33 +13966,6 @@
           <a:p>
             <a:r>
               <a:rPr lang="pt-BR" dirty="0" smtClean="0"/>
-              <a:t>Proveniência </a:t>
-            </a:r>
-            <a:r>
-              <a:rPr lang="pt-BR" dirty="0" smtClean="0"/>
-              <a:t>de recursos </a:t>
-            </a:r>
-            <a:endParaRPr lang="pt-BR" dirty="0" smtClean="0"/>
-          </a:p>
-          <a:p>
-            <a:pPr lvl="1"/>
-            <a:r>
-              <a:rPr lang="pt-BR" dirty="0" smtClean="0"/>
-              <a:t>Um </a:t>
-            </a:r>
-            <a:r>
-              <a:rPr lang="pt-BR" dirty="0" smtClean="0"/>
-              <a:t>registro que descreve as entidades e processos envolvidos na produção de um recurso ou que influenciaram o mesmo. </a:t>
-            </a:r>
-            <a:endParaRPr lang="pt-BR" dirty="0" smtClean="0"/>
-          </a:p>
-          <a:p>
-            <a:pPr lvl="1"/>
-            <a:endParaRPr lang="pt-BR" dirty="0" smtClean="0"/>
-          </a:p>
-          <a:p>
-            <a:r>
-              <a:rPr lang="pt-BR" dirty="0" smtClean="0"/>
               <a:t>Lançado </a:t>
             </a:r>
             <a:r>
@@ -12416,11 +13978,7 @@
             </a:r>
             <a:r>
               <a:rPr lang="pt-BR" dirty="0" smtClean="0"/>
-              <a:t>ao </a:t>
-            </a:r>
-            <a:r>
-              <a:rPr lang="pt-BR" dirty="0" smtClean="0"/>
-              <a:t>quarto </a:t>
+              <a:t>ao quarto </a:t>
             </a:r>
             <a:r>
               <a:rPr lang="pt-BR" i="1" dirty="0" err="1" smtClean="0"/>
@@ -12481,10 +14039,10 @@
           <a:lstStyle/>
           <a:p>
             <a:r>
-              <a:rPr lang="pt-BR" smtClean="0"/>
-              <a:t>Título</a:t>
-            </a:r>
-            <a:endParaRPr lang="pt-BR"/>
+              <a:rPr lang="pt-BR" b="1" dirty="0" smtClean="0"/>
+              <a:t>Comparação entre os Modelos de Proveniência</a:t>
+            </a:r>
+            <a:endParaRPr lang="pt-BR" dirty="0"/>
           </a:p>
         </p:txBody>
       </p:sp>
@@ -12517,6 +14075,13 @@
   <p:clrMapOvr>
     <a:masterClrMapping/>
   </p:clrMapOvr>
+  <p:timing>
+    <p:tnLst>
+      <p:par>
+        <p:cTn id="1" dur="indefinite" restart="never" nodeType="tmRoot"/>
+      </p:par>
+    </p:tnLst>
+  </p:timing>
 </p:sld>
 </file>
 
@@ -12573,21 +14138,13 @@
         <p:spPr/>
         <p:txBody>
           <a:bodyPr>
-            <a:normAutofit fontScale="85000" lnSpcReduction="20000"/>
+            <a:normAutofit/>
           </a:bodyPr>
           <a:lstStyle/>
           <a:p>
             <a:r>
               <a:rPr lang="pt-BR" dirty="0" smtClean="0"/>
-              <a:t>Classifica </a:t>
-            </a:r>
-            <a:r>
-              <a:rPr lang="pt-BR" dirty="0" smtClean="0"/>
-              <a:t>a proveniência em três tipos</a:t>
-            </a:r>
-            <a:r>
-              <a:rPr lang="pt-BR" dirty="0" smtClean="0"/>
-              <a:t>:</a:t>
+              <a:t>Classifica a proveniência em três tipos:</a:t>
             </a:r>
           </a:p>
           <a:p>
@@ -12597,32 +14154,13 @@
             <a:pPr lvl="1"/>
             <a:r>
               <a:rPr lang="pt-BR" b="1" dirty="0" smtClean="0"/>
-              <a:t>Centralizado </a:t>
+              <a:t>Centralizado em </a:t>
             </a:r>
             <a:r>
               <a:rPr lang="pt-BR" b="1" dirty="0" smtClean="0"/>
-              <a:t>em Agentes</a:t>
-            </a:r>
-            <a:r>
-              <a:rPr lang="pt-BR" dirty="0" smtClean="0"/>
-              <a:t>: </a:t>
-            </a:r>
-            <a:r>
-              <a:rPr lang="pt-BR" i="1" dirty="0" smtClean="0"/>
-              <a:t>Os dados de proveniência visam especificar/registrar </a:t>
-            </a:r>
-            <a:r>
-              <a:rPr lang="pt-BR" i="1" u="sng" dirty="0" smtClean="0"/>
-              <a:t>quem</a:t>
-            </a:r>
-            <a:r>
-              <a:rPr lang="pt-BR" i="1" dirty="0" smtClean="0"/>
-              <a:t> executou certas ações ou gerou certos objetos</a:t>
-            </a:r>
-            <a:r>
-              <a:rPr lang="pt-BR" i="1" dirty="0" smtClean="0"/>
-              <a:t>.</a:t>
-            </a:r>
+              <a:t>Agentes</a:t>
+            </a:r>
+            <a:endParaRPr lang="pt-BR" i="1" dirty="0" smtClean="0"/>
           </a:p>
           <a:p>
             <a:pPr lvl="1"/>
@@ -12632,32 +14170,13 @@
             <a:pPr lvl="1"/>
             <a:r>
               <a:rPr lang="pt-BR" b="1" dirty="0" smtClean="0"/>
-              <a:t>Centralizada </a:t>
+              <a:t>Centralizada em </a:t>
             </a:r>
             <a:r>
               <a:rPr lang="pt-BR" b="1" dirty="0" smtClean="0"/>
-              <a:t>em Objetos</a:t>
-            </a:r>
-            <a:r>
-              <a:rPr lang="pt-BR" dirty="0" smtClean="0"/>
-              <a:t>:</a:t>
-            </a:r>
-            <a:r>
-              <a:rPr lang="pt-BR" i="1" dirty="0" smtClean="0"/>
-              <a:t> Os dados de proveniência visam especificar </a:t>
-            </a:r>
-            <a:r>
-              <a:rPr lang="pt-BR" i="1" u="sng" dirty="0" smtClean="0"/>
-              <a:t>quais</a:t>
-            </a:r>
-            <a:r>
-              <a:rPr lang="pt-BR" i="1" dirty="0" smtClean="0"/>
-              <a:t> são as partes que compõem um objeto</a:t>
-            </a:r>
-            <a:r>
-              <a:rPr lang="pt-BR" i="1" dirty="0" smtClean="0"/>
-              <a:t>.</a:t>
-            </a:r>
+              <a:t>Objetos</a:t>
+            </a:r>
+            <a:endParaRPr lang="pt-BR" i="1" dirty="0" smtClean="0"/>
           </a:p>
           <a:p>
             <a:pPr lvl="1"/>
@@ -12667,27 +14186,11 @@
             <a:pPr lvl="1"/>
             <a:r>
               <a:rPr lang="pt-BR" b="1" dirty="0" smtClean="0"/>
-              <a:t>Centralizada </a:t>
+              <a:t>Centralizada em </a:t>
             </a:r>
             <a:r>
               <a:rPr lang="pt-BR" b="1" dirty="0" smtClean="0"/>
-              <a:t>em Processos</a:t>
-            </a:r>
-            <a:r>
-              <a:rPr lang="pt-BR" dirty="0" smtClean="0"/>
-              <a:t>:</a:t>
-            </a:r>
-            <a:r>
-              <a:rPr lang="pt-BR" i="1" dirty="0" smtClean="0"/>
-              <a:t> Os dados de proveniência visam especificar </a:t>
-            </a:r>
-            <a:r>
-              <a:rPr lang="pt-BR" i="1" u="sng" dirty="0" smtClean="0"/>
-              <a:t>como</a:t>
-            </a:r>
-            <a:r>
-              <a:rPr lang="pt-BR" i="1" dirty="0" smtClean="0"/>
-              <a:t> foram geradas as informações em questão. Isto é, quais as atividades ou processos que foram executados para que ela existisse.</a:t>
+              <a:t>Processos</a:t>
             </a:r>
             <a:endParaRPr lang="en-US" i="1" dirty="0" smtClean="0"/>
           </a:p>
@@ -12735,10 +14238,10 @@
           <a:lstStyle/>
           <a:p>
             <a:r>
-              <a:rPr lang="pt-BR" smtClean="0"/>
-              <a:t>Título</a:t>
-            </a:r>
-            <a:endParaRPr lang="pt-BR"/>
+              <a:rPr lang="pt-BR" b="1" dirty="0" smtClean="0"/>
+              <a:t>Comparação entre os Modelos de Proveniência</a:t>
+            </a:r>
+            <a:endParaRPr lang="pt-BR" dirty="0"/>
           </a:p>
         </p:txBody>
       </p:sp>
@@ -12766,11 +14269,96 @@
           </a:p>
         </p:txBody>
       </p:sp>
+      <p:pic>
+        <p:nvPicPr>
+          <p:cNvPr id="23556" name="Picture 4" descr="http://t1.ftcdn.net/jpg/00/25/94/96/400_F_25949621_UJ4mFrqM0FL1m23dKdF9czDBIep4fdD0.jpg"/>
+          <p:cNvPicPr>
+            <a:picLocks noChangeAspect="1" noChangeArrowheads="1"/>
+          </p:cNvPicPr>
+          <p:nvPr/>
+        </p:nvPicPr>
+        <p:blipFill>
+          <a:blip r:embed="rId3" cstate="print"/>
+          <a:srcRect/>
+          <a:stretch>
+            <a:fillRect/>
+          </a:stretch>
+        </p:blipFill>
+        <p:spPr bwMode="auto">
+          <a:xfrm>
+            <a:off x="6858000" y="4191000"/>
+            <a:ext cx="2057400" cy="2057400"/>
+          </a:xfrm>
+          <a:prstGeom prst="rect">
+            <a:avLst/>
+          </a:prstGeom>
+          <a:noFill/>
+        </p:spPr>
+      </p:pic>
+      <p:pic>
+        <p:nvPicPr>
+          <p:cNvPr id="23558" name="Picture 6" descr="http://s3.amazonaws.com/bonanzleimages/blog_assets/0000/0139/unknown-person.png"/>
+          <p:cNvPicPr>
+            <a:picLocks noChangeAspect="1" noChangeArrowheads="1"/>
+          </p:cNvPicPr>
+          <p:nvPr/>
+        </p:nvPicPr>
+        <p:blipFill>
+          <a:blip r:embed="rId4" cstate="print"/>
+          <a:srcRect/>
+          <a:stretch>
+            <a:fillRect/>
+          </a:stretch>
+        </p:blipFill>
+        <p:spPr bwMode="auto">
+          <a:xfrm>
+            <a:off x="7239000" y="2286000"/>
+            <a:ext cx="1521177" cy="1676400"/>
+          </a:xfrm>
+          <a:prstGeom prst="rect">
+            <a:avLst/>
+          </a:prstGeom>
+          <a:noFill/>
+        </p:spPr>
+      </p:pic>
+      <p:pic>
+        <p:nvPicPr>
+          <p:cNvPr id="53250" name="Picture 2" descr="http://files.softicons.com/download/system-icons/windows-8-metro-invert-icons-by-dakirby309/png/256x256/Other/Origins.png"/>
+          <p:cNvPicPr>
+            <a:picLocks noChangeAspect="1" noChangeArrowheads="1"/>
+          </p:cNvPicPr>
+          <p:nvPr/>
+        </p:nvPicPr>
+        <p:blipFill>
+          <a:blip r:embed="rId5" cstate="print"/>
+          <a:srcRect/>
+          <a:stretch>
+            <a:fillRect/>
+          </a:stretch>
+        </p:blipFill>
+        <p:spPr bwMode="auto">
+          <a:xfrm>
+            <a:off x="5029200" y="3581400"/>
+            <a:ext cx="1371600" cy="1371600"/>
+          </a:xfrm>
+          <a:prstGeom prst="rect">
+            <a:avLst/>
+          </a:prstGeom>
+          <a:noFill/>
+        </p:spPr>
+      </p:pic>
     </p:spTree>
   </p:cSld>
   <p:clrMapOvr>
     <a:masterClrMapping/>
   </p:clrMapOvr>
+  <p:timing>
+    <p:tnLst>
+      <p:par>
+        <p:cTn id="1" dur="indefinite" restart="never" nodeType="tmRoot"/>
+      </p:par>
+    </p:tnLst>
+  </p:timing>
 </p:sld>
 </file>
 
